--- a/Dart.pptx
+++ b/Dart.pptx
@@ -6,10 +6,10 @@
     <p:sldMasterId id="2147483656" r:id="rId2"/>
   </p:sldMasterIdLst>
   <p:notesMasterIdLst>
-    <p:notesMasterId r:id="rId72"/>
+    <p:notesMasterId r:id="rId76"/>
   </p:notesMasterIdLst>
   <p:handoutMasterIdLst>
-    <p:handoutMasterId r:id="rId73"/>
+    <p:handoutMasterId r:id="rId77"/>
   </p:handoutMasterIdLst>
   <p:sldIdLst>
     <p:sldId id="256" r:id="rId3"/>
@@ -78,9 +78,13 @@
     <p:sldId id="322" r:id="rId66"/>
     <p:sldId id="323" r:id="rId67"/>
     <p:sldId id="324" r:id="rId68"/>
-    <p:sldId id="311" r:id="rId69"/>
-    <p:sldId id="258" r:id="rId70"/>
-    <p:sldId id="259" r:id="rId71"/>
+    <p:sldId id="326" r:id="rId69"/>
+    <p:sldId id="327" r:id="rId70"/>
+    <p:sldId id="328" r:id="rId71"/>
+    <p:sldId id="311" r:id="rId72"/>
+    <p:sldId id="258" r:id="rId73"/>
+    <p:sldId id="329" r:id="rId74"/>
+    <p:sldId id="259" r:id="rId75"/>
   </p:sldIdLst>
   <p:sldSz cx="12192000" cy="6858000"/>
   <p:notesSz cx="6858000" cy="9144000"/>
@@ -320,6 +324,16 @@
             <p14:sldId id="324"/>
           </p14:sldIdLst>
         </p14:section>
+        <p14:section name="Async/Await" id="{F00BADB3-CEE5-4594-895D-E5F0B75FD60F}">
+          <p14:sldIdLst>
+            <p14:sldId id="326"/>
+            <p14:sldId id="327"/>
+            <p14:sldId id="328"/>
+          </p14:sldIdLst>
+        </p14:section>
+        <p14:section name="Klassen und Objekte" id="{16F5A491-3E83-4F2C-958E-5EB88EFC1324}">
+          <p14:sldIdLst/>
+        </p14:section>
         <p14:section name="Ausblick" id="{695B7BB2-30E9-428B-91AF-42085DE8740C}">
           <p14:sldIdLst>
             <p14:sldId id="311"/>
@@ -328,6 +342,7 @@
         <p14:section name="Zusammenfassung" id="{3935168F-CA97-4DBE-AA4D-CD6487E81BA7}">
           <p14:sldIdLst>
             <p14:sldId id="258"/>
+            <p14:sldId id="329"/>
             <p14:sldId id="259"/>
           </p14:sldIdLst>
         </p14:section>
@@ -444,7 +459,7 @@
                   <a:schemeClr val="tx2"/>
                 </a:solidFill>
               </a:rPr>
-              <a:t>30.09.2021</a:t>
+              <a:t>07.10.2021</a:t>
             </a:fld>
             <a:endParaRPr lang="de-DE">
               <a:solidFill>
@@ -794,7 +809,7 @@
             <a:fld id="{B4113CCE-1A1A-46DB-884A-AE560F65C3AF}" type="datetimeFigureOut">
               <a:rPr lang="de-DE" smtClean="0"/>
               <a:pPr/>
-              <a:t>30.09.2021</a:t>
+              <a:t>07.10.2021</a:t>
             </a:fld>
             <a:endParaRPr lang="de-DE"/>
           </a:p>
@@ -2696,6 +2711,15 @@
               <a:t> = $"Text {variable} Text";</a:t>
             </a:r>
           </a:p>
+          <a:p>
+            <a:endParaRPr lang="de-DE" dirty="0"/>
+          </a:p>
+          <a:p>
+            <a:r>
+              <a:rPr lang="de-DE" dirty="0"/>
+              <a:t>Die geschweifte Klammer kann unter Umständen auch weggelassen werden. Es ist aber sicherer, wenn man sie hinschreibt.</a:t>
+            </a:r>
+          </a:p>
         </p:txBody>
       </p:sp>
       <p:sp>
@@ -3453,6 +3477,12 @@
           <a:p>
             <a:r>
               <a:rPr lang="de-DE" dirty="0"/>
+              <a:t>Die mathematische Operatoren ≤ und ≥ können wir so nicht einfach hinschreiben. Wir trennen sie auf in zwei Zeichen &lt;= und &gt;=.</a:t>
+            </a:r>
+          </a:p>
+          <a:p>
+            <a:r>
+              <a:rPr lang="de-DE" dirty="0"/>
               <a:t>Im Gegensatz zu Python müssen die beiden Einzelbedingungen getrennt werden und dann mit &amp;&amp; verknüpft werden.</a:t>
             </a:r>
           </a:p>
@@ -3643,7 +3673,56 @@
           <a:bodyPr/>
           <a:lstStyle/>
           <a:p>
-            <a:endParaRPr lang="de-DE" dirty="0"/>
+            <a:r>
+              <a:rPr lang="de-DE" dirty="0"/>
+              <a:t>Datum ist die Einzahl von Daten.</a:t>
+            </a:r>
+          </a:p>
+          <a:p>
+            <a:pPr marL="0" marR="0" lvl="0" indent="0" algn="l" defTabSz="914400" rtl="0" eaLnBrk="1" fontAlgn="auto" latinLnBrk="0" hangingPunct="1">
+              <a:lnSpc>
+                <a:spcPct val="100000"/>
+              </a:lnSpc>
+              <a:spcBef>
+                <a:spcPts val="0"/>
+              </a:spcBef>
+              <a:spcAft>
+                <a:spcPts val="0"/>
+              </a:spcAft>
+              <a:buClrTx/>
+              <a:buSzTx/>
+              <a:buFontTx/>
+              <a:buNone/>
+              <a:tabLst/>
+              <a:defRPr/>
+            </a:pPr>
+            <a:r>
+              <a:rPr lang="de-DE" dirty="0"/>
+              <a:t>Quizfrage: Um was für Zahlen handelt es sich hier?</a:t>
+            </a:r>
+          </a:p>
+          <a:p>
+            <a:pPr marL="0" marR="0" lvl="0" indent="0" algn="l" defTabSz="914400" rtl="0" eaLnBrk="1" fontAlgn="auto" latinLnBrk="0" hangingPunct="1">
+              <a:lnSpc>
+                <a:spcPct val="100000"/>
+              </a:lnSpc>
+              <a:spcBef>
+                <a:spcPts val="0"/>
+              </a:spcBef>
+              <a:spcAft>
+                <a:spcPts val="0"/>
+              </a:spcAft>
+              <a:buClrTx/>
+              <a:buSzTx/>
+              <a:buFontTx/>
+              <a:buNone/>
+              <a:tabLst/>
+              <a:defRPr/>
+            </a:pPr>
+            <a:r>
+              <a:rPr lang="de-DE" dirty="0"/>
+              <a:t>Das sind die ersten Primzahlen.</a:t>
+            </a:r>
           </a:p>
         </p:txBody>
       </p:sp>
@@ -4030,6 +4109,12 @@
           <a:p>
             <a:r>
               <a:rPr lang="de-DE" dirty="0"/>
+              <a:t>Quizfrage: um was für Zahlen handelt es sich hier?</a:t>
+            </a:r>
+          </a:p>
+          <a:p>
+            <a:r>
+              <a:rPr lang="de-DE" dirty="0"/>
               <a:t>Die Liste enthält die ersten Zahlen der </a:t>
             </a:r>
             <a:r>
@@ -6103,7 +6188,43 @@
           <a:bodyPr/>
           <a:lstStyle/>
           <a:p>
-            <a:endParaRPr lang="de-DE"/>
+            <a:r>
+              <a:rPr lang="de-DE" dirty="0"/>
+              <a:t>Wir werden beim Programmieren unserer Flutter App über ein weiteres Konzept stolpern, um das wir nicht herumkommen.</a:t>
+            </a:r>
+          </a:p>
+          <a:p>
+            <a:r>
+              <a:rPr lang="de-DE" dirty="0"/>
+              <a:t>Es handelt sich hierbei um ein sehr fortgeschrittenes Konzept, das einiges an Überlegung erfordert.</a:t>
+            </a:r>
+          </a:p>
+          <a:p>
+            <a:r>
+              <a:rPr lang="de-DE" dirty="0"/>
+              <a:t>Wir werden es nicht ausführlich behandeln und die stattdessen die Wartezeiten in Kauf nehmen.</a:t>
+            </a:r>
+          </a:p>
+          <a:p>
+            <a:endParaRPr lang="de-DE" dirty="0"/>
+          </a:p>
+          <a:p>
+            <a:r>
+              <a:rPr lang="de-DE" dirty="0"/>
+              <a:t>Aufgaben, bei denen es eine längere Wartezeit gibt, können im Hintergrund ausgeführt werden. </a:t>
+            </a:r>
+          </a:p>
+          <a:p>
+            <a:r>
+              <a:rPr lang="de-DE" dirty="0"/>
+              <a:t>Das hat den Vorteil, dass während der Wartezeit noch etwas anderes berechnet werden kann.</a:t>
+            </a:r>
+          </a:p>
+          <a:p>
+            <a:r>
+              <a:rPr lang="de-DE" dirty="0"/>
+              <a:t>Insgesamt kann das die Ausführungszeit deutlich beschleunigen, wie im Bild zu sehen.</a:t>
+            </a:r>
           </a:p>
         </p:txBody>
       </p:sp>
@@ -6114,7 +6235,7 @@
             <a:spLocks noGrp="1"/>
           </p:cNvSpPr>
           <p:nvPr>
-            <p:ph type="sldNum" sz="quarter" idx="10"/>
+            <p:ph type="sldNum" sz="quarter" idx="5"/>
           </p:nvPr>
         </p:nvSpPr>
         <p:spPr/>
@@ -6124,7 +6245,8 @@
           <a:p>
             <a:fld id="{927DBD90-B360-417B-B4B3-F05A4AFC1996}" type="slidenum">
               <a:rPr lang="de-DE" smtClean="0"/>
-              <a:t>69</a:t>
+              <a:pPr/>
+              <a:t>67</a:t>
             </a:fld>
             <a:endParaRPr lang="de-DE"/>
           </a:p>
@@ -6133,7 +6255,7 @@
     </p:spTree>
     <p:extLst>
       <p:ext uri="{BB962C8B-B14F-4D97-AF65-F5344CB8AC3E}">
-        <p14:creationId xmlns:p14="http://schemas.microsoft.com/office/powerpoint/2010/main" val="1052047994"/>
+        <p14:creationId xmlns:p14="http://schemas.microsoft.com/office/powerpoint/2010/main" val="1689404465"/>
       </p:ext>
     </p:extLst>
   </p:cSld>
@@ -6233,6 +6355,294 @@
     <p:extLst>
       <p:ext uri="{BB962C8B-B14F-4D97-AF65-F5344CB8AC3E}">
         <p14:creationId xmlns:p14="http://schemas.microsoft.com/office/powerpoint/2010/main" val="2196630989"/>
+      </p:ext>
+    </p:extLst>
+  </p:cSld>
+  <p:clrMapOvr>
+    <a:masterClrMapping/>
+  </p:clrMapOvr>
+</p:notes>
+</file>
+
+<file path=ppt/notesSlides/notesSlide50.xml><?xml version="1.0" encoding="utf-8"?>
+<p:notes xmlns:a="http://schemas.openxmlformats.org/drawingml/2006/main" xmlns:r="http://schemas.openxmlformats.org/officeDocument/2006/relationships" xmlns:p="http://schemas.openxmlformats.org/presentationml/2006/main">
+  <p:cSld>
+    <p:spTree>
+      <p:nvGrpSpPr>
+        <p:cNvPr id="1" name=""/>
+        <p:cNvGrpSpPr/>
+        <p:nvPr/>
+      </p:nvGrpSpPr>
+      <p:grpSpPr>
+        <a:xfrm>
+          <a:off x="0" y="0"/>
+          <a:ext cx="0" cy="0"/>
+          <a:chOff x="0" y="0"/>
+          <a:chExt cx="0" cy="0"/>
+        </a:xfrm>
+      </p:grpSpPr>
+      <p:sp>
+        <p:nvSpPr>
+          <p:cNvPr id="2" name="Folienbildplatzhalter 1"/>
+          <p:cNvSpPr>
+            <a:spLocks noGrp="1" noRot="1" noChangeAspect="1"/>
+          </p:cNvSpPr>
+          <p:nvPr>
+            <p:ph type="sldImg"/>
+          </p:nvPr>
+        </p:nvSpPr>
+        <p:spPr>
+          <a:xfrm>
+            <a:off x="685800" y="1143000"/>
+            <a:ext cx="4270375" cy="2401888"/>
+          </a:xfrm>
+        </p:spPr>
+      </p:sp>
+      <p:sp>
+        <p:nvSpPr>
+          <p:cNvPr id="3" name="Notizenplatzhalter 2"/>
+          <p:cNvSpPr>
+            <a:spLocks noGrp="1"/>
+          </p:cNvSpPr>
+          <p:nvPr>
+            <p:ph type="body" idx="1"/>
+          </p:nvPr>
+        </p:nvSpPr>
+        <p:spPr/>
+        <p:txBody>
+          <a:bodyPr/>
+          <a:lstStyle/>
+          <a:p>
+            <a:endParaRPr lang="de-DE" dirty="0"/>
+          </a:p>
+        </p:txBody>
+      </p:sp>
+      <p:sp>
+        <p:nvSpPr>
+          <p:cNvPr id="4" name="Foliennummernplatzhalter 3"/>
+          <p:cNvSpPr>
+            <a:spLocks noGrp="1"/>
+          </p:cNvSpPr>
+          <p:nvPr>
+            <p:ph type="sldNum" sz="quarter" idx="5"/>
+          </p:nvPr>
+        </p:nvSpPr>
+        <p:spPr/>
+        <p:txBody>
+          <a:bodyPr/>
+          <a:lstStyle/>
+          <a:p>
+            <a:fld id="{927DBD90-B360-417B-B4B3-F05A4AFC1996}" type="slidenum">
+              <a:rPr lang="de-DE" smtClean="0"/>
+              <a:pPr/>
+              <a:t>68</a:t>
+            </a:fld>
+            <a:endParaRPr lang="de-DE"/>
+          </a:p>
+        </p:txBody>
+      </p:sp>
+    </p:spTree>
+    <p:extLst>
+      <p:ext uri="{BB962C8B-B14F-4D97-AF65-F5344CB8AC3E}">
+        <p14:creationId xmlns:p14="http://schemas.microsoft.com/office/powerpoint/2010/main" val="3329960688"/>
+      </p:ext>
+    </p:extLst>
+  </p:cSld>
+  <p:clrMapOvr>
+    <a:masterClrMapping/>
+  </p:clrMapOvr>
+</p:notes>
+</file>
+
+<file path=ppt/notesSlides/notesSlide51.xml><?xml version="1.0" encoding="utf-8"?>
+<p:notes xmlns:a="http://schemas.openxmlformats.org/drawingml/2006/main" xmlns:r="http://schemas.openxmlformats.org/officeDocument/2006/relationships" xmlns:p="http://schemas.openxmlformats.org/presentationml/2006/main">
+  <p:cSld>
+    <p:spTree>
+      <p:nvGrpSpPr>
+        <p:cNvPr id="1" name=""/>
+        <p:cNvGrpSpPr/>
+        <p:nvPr/>
+      </p:nvGrpSpPr>
+      <p:grpSpPr>
+        <a:xfrm>
+          <a:off x="0" y="0"/>
+          <a:ext cx="0" cy="0"/>
+          <a:chOff x="0" y="0"/>
+          <a:chExt cx="0" cy="0"/>
+        </a:xfrm>
+      </p:grpSpPr>
+      <p:sp>
+        <p:nvSpPr>
+          <p:cNvPr id="2" name="Folienbildplatzhalter 1"/>
+          <p:cNvSpPr>
+            <a:spLocks noGrp="1" noRot="1" noChangeAspect="1"/>
+          </p:cNvSpPr>
+          <p:nvPr>
+            <p:ph type="sldImg"/>
+          </p:nvPr>
+        </p:nvSpPr>
+        <p:spPr>
+          <a:xfrm>
+            <a:off x="685800" y="1143000"/>
+            <a:ext cx="4270375" cy="2401888"/>
+          </a:xfrm>
+        </p:spPr>
+      </p:sp>
+      <p:sp>
+        <p:nvSpPr>
+          <p:cNvPr id="3" name="Notizenplatzhalter 2"/>
+          <p:cNvSpPr>
+            <a:spLocks noGrp="1"/>
+          </p:cNvSpPr>
+          <p:nvPr>
+            <p:ph type="body" idx="1"/>
+          </p:nvPr>
+        </p:nvSpPr>
+        <p:spPr/>
+        <p:txBody>
+          <a:bodyPr/>
+          <a:lstStyle/>
+          <a:p>
+            <a:r>
+              <a:rPr lang="de-DE" dirty="0"/>
+              <a:t>Fazit: Wundert Euch nicht, wenn ab und zu </a:t>
+            </a:r>
+            <a:r>
+              <a:rPr lang="de-DE" dirty="0" err="1"/>
+              <a:t>async</a:t>
+            </a:r>
+            <a:r>
+              <a:rPr lang="de-DE" dirty="0"/>
+              <a:t> oder </a:t>
+            </a:r>
+            <a:r>
+              <a:rPr lang="de-DE" dirty="0" err="1"/>
+              <a:t>await</a:t>
+            </a:r>
+            <a:r>
+              <a:rPr lang="de-DE" dirty="0"/>
+              <a:t> steht oder es benötigt wird. Es hat mit Optimierungen zu tun, die uns im BOGY noch nicht interessieren. Das ist definitiv etwas, was man im Studium lernen kann.</a:t>
+            </a:r>
+          </a:p>
+        </p:txBody>
+      </p:sp>
+      <p:sp>
+        <p:nvSpPr>
+          <p:cNvPr id="4" name="Foliennummernplatzhalter 3"/>
+          <p:cNvSpPr>
+            <a:spLocks noGrp="1"/>
+          </p:cNvSpPr>
+          <p:nvPr>
+            <p:ph type="sldNum" sz="quarter" idx="5"/>
+          </p:nvPr>
+        </p:nvSpPr>
+        <p:spPr/>
+        <p:txBody>
+          <a:bodyPr/>
+          <a:lstStyle/>
+          <a:p>
+            <a:fld id="{927DBD90-B360-417B-B4B3-F05A4AFC1996}" type="slidenum">
+              <a:rPr lang="de-DE" smtClean="0"/>
+              <a:pPr/>
+              <a:t>69</a:t>
+            </a:fld>
+            <a:endParaRPr lang="de-DE"/>
+          </a:p>
+        </p:txBody>
+      </p:sp>
+    </p:spTree>
+    <p:extLst>
+      <p:ext uri="{BB962C8B-B14F-4D97-AF65-F5344CB8AC3E}">
+        <p14:creationId xmlns:p14="http://schemas.microsoft.com/office/powerpoint/2010/main" val="2655934023"/>
+      </p:ext>
+    </p:extLst>
+  </p:cSld>
+  <p:clrMapOvr>
+    <a:masterClrMapping/>
+  </p:clrMapOvr>
+</p:notes>
+</file>
+
+<file path=ppt/notesSlides/notesSlide52.xml><?xml version="1.0" encoding="utf-8"?>
+<p:notes xmlns:a="http://schemas.openxmlformats.org/drawingml/2006/main" xmlns:r="http://schemas.openxmlformats.org/officeDocument/2006/relationships" xmlns:p="http://schemas.openxmlformats.org/presentationml/2006/main">
+  <p:cSld>
+    <p:spTree>
+      <p:nvGrpSpPr>
+        <p:cNvPr id="1" name=""/>
+        <p:cNvGrpSpPr/>
+        <p:nvPr/>
+      </p:nvGrpSpPr>
+      <p:grpSpPr>
+        <a:xfrm>
+          <a:off x="0" y="0"/>
+          <a:ext cx="0" cy="0"/>
+          <a:chOff x="0" y="0"/>
+          <a:chExt cx="0" cy="0"/>
+        </a:xfrm>
+      </p:grpSpPr>
+      <p:sp>
+        <p:nvSpPr>
+          <p:cNvPr id="2" name="Folienbildplatzhalter 1"/>
+          <p:cNvSpPr>
+            <a:spLocks noGrp="1" noRot="1" noChangeAspect="1"/>
+          </p:cNvSpPr>
+          <p:nvPr>
+            <p:ph type="sldImg"/>
+          </p:nvPr>
+        </p:nvSpPr>
+        <p:spPr>
+          <a:xfrm>
+            <a:off x="685800" y="1143000"/>
+            <a:ext cx="4270375" cy="2401888"/>
+          </a:xfrm>
+        </p:spPr>
+      </p:sp>
+      <p:sp>
+        <p:nvSpPr>
+          <p:cNvPr id="3" name="Notizenplatzhalter 2"/>
+          <p:cNvSpPr>
+            <a:spLocks noGrp="1"/>
+          </p:cNvSpPr>
+          <p:nvPr>
+            <p:ph type="body" idx="1"/>
+          </p:nvPr>
+        </p:nvSpPr>
+        <p:spPr/>
+        <p:txBody>
+          <a:bodyPr/>
+          <a:lstStyle/>
+          <a:p>
+            <a:endParaRPr lang="de-DE"/>
+          </a:p>
+        </p:txBody>
+      </p:sp>
+      <p:sp>
+        <p:nvSpPr>
+          <p:cNvPr id="4" name="Foliennummernplatzhalter 3"/>
+          <p:cNvSpPr>
+            <a:spLocks noGrp="1"/>
+          </p:cNvSpPr>
+          <p:nvPr>
+            <p:ph type="sldNum" sz="quarter" idx="10"/>
+          </p:nvPr>
+        </p:nvSpPr>
+        <p:spPr/>
+        <p:txBody>
+          <a:bodyPr/>
+          <a:lstStyle/>
+          <a:p>
+            <a:fld id="{927DBD90-B360-417B-B4B3-F05A4AFC1996}" type="slidenum">
+              <a:rPr lang="de-DE" smtClean="0"/>
+              <a:t>73</a:t>
+            </a:fld>
+            <a:endParaRPr lang="de-DE"/>
+          </a:p>
+        </p:txBody>
+      </p:sp>
+    </p:spTree>
+    <p:extLst>
+      <p:ext uri="{BB962C8B-B14F-4D97-AF65-F5344CB8AC3E}">
+        <p14:creationId xmlns:p14="http://schemas.microsoft.com/office/powerpoint/2010/main" val="1052047994"/>
       </p:ext>
     </p:extLst>
   </p:cSld>
@@ -6873,7 +7283,7 @@
           <a:p>
             <a:fld id="{9525C97C-9494-42D2-AA81-41B72264EEDF}" type="datetime1">
               <a:rPr lang="de-DE" smtClean="0"/>
-              <a:t>30.09.2021</a:t>
+              <a:t>07.10.2021</a:t>
             </a:fld>
             <a:endParaRPr lang="de-DE"/>
           </a:p>
@@ -7078,7 +7488,7 @@
           <a:p>
             <a:fld id="{693DCC01-F5BA-40BF-8088-82FD70255DAC}" type="datetime1">
               <a:rPr lang="de-DE" smtClean="0"/>
-              <a:t>30.09.2021</a:t>
+              <a:t>07.10.2021</a:t>
             </a:fld>
             <a:endParaRPr lang="de-DE"/>
           </a:p>
@@ -7232,7 +7642,7 @@
           <a:p>
             <a:fld id="{BE71E41D-5D88-4F4E-A96A-3B8BE78B12C0}" type="datetime1">
               <a:rPr lang="de-DE" smtClean="0"/>
-              <a:t>30.09.2021</a:t>
+              <a:t>07.10.2021</a:t>
             </a:fld>
             <a:endParaRPr lang="de-DE"/>
           </a:p>
@@ -7469,7 +7879,7 @@
           <a:p>
             <a:fld id="{05987E68-4E83-4724-A68A-41C929617F07}" type="datetime1">
               <a:rPr lang="de-DE" smtClean="0"/>
-              <a:t>30.09.2021</a:t>
+              <a:t>07.10.2021</a:t>
             </a:fld>
             <a:endParaRPr lang="de-DE"/>
           </a:p>
@@ -7645,7 +8055,7 @@
           <a:p>
             <a:fld id="{EC1CD622-1FE5-41E5-8C5A-E826D2033FCC}" type="datetime1">
               <a:rPr lang="de-DE" smtClean="0"/>
-              <a:t>30.09.2021</a:t>
+              <a:t>07.10.2021</a:t>
             </a:fld>
             <a:endParaRPr lang="de-DE"/>
           </a:p>
@@ -7821,7 +8231,7 @@
           <a:p>
             <a:fld id="{9DE610D0-EC54-4B8A-9B9F-60F36FB3B089}" type="datetime1">
               <a:rPr lang="de-DE" smtClean="0"/>
-              <a:t>30.09.2021</a:t>
+              <a:t>07.10.2021</a:t>
             </a:fld>
             <a:endParaRPr lang="de-DE"/>
           </a:p>
@@ -7971,7 +8381,7 @@
           <a:p>
             <a:fld id="{5659A294-9787-421F-92A5-54D2266F4229}" type="datetime1">
               <a:rPr lang="de-DE" smtClean="0"/>
-              <a:t>30.09.2021</a:t>
+              <a:t>07.10.2021</a:t>
             </a:fld>
             <a:endParaRPr lang="de-DE"/>
           </a:p>
@@ -8069,7 +8479,7 @@
           <a:p>
             <a:fld id="{C42F96B5-B10A-4265-BEFF-E02C6EB731FB}" type="datetime1">
               <a:rPr lang="de-DE" smtClean="0"/>
-              <a:t>30.09.2021</a:t>
+              <a:t>07.10.2021</a:t>
             </a:fld>
             <a:endParaRPr lang="de-DE"/>
           </a:p>
@@ -8193,7 +8603,7 @@
           <a:p>
             <a:fld id="{7B22558A-5005-4978-AF10-0EA0BACB4F1C}" type="datetime1">
               <a:rPr lang="de-DE" smtClean="0"/>
-              <a:t>30.09.2021</a:t>
+              <a:t>07.10.2021</a:t>
             </a:fld>
             <a:endParaRPr lang="de-DE"/>
           </a:p>
@@ -8377,7 +8787,7 @@
           <a:p>
             <a:fld id="{AFC6EFA2-9D46-42E6-95D5-179977370B0A}" type="datetime1">
               <a:rPr lang="de-DE" smtClean="0"/>
-              <a:t>30.09.2021</a:t>
+              <a:t>07.10.2021</a:t>
             </a:fld>
             <a:endParaRPr lang="de-DE"/>
           </a:p>
@@ -8582,7 +8992,7 @@
           <a:p>
             <a:fld id="{A495A870-FDB2-4650-80CF-EB7B562AA837}" type="datetime1">
               <a:rPr lang="de-DE" smtClean="0"/>
-              <a:t>30.09.2021</a:t>
+              <a:t>07.10.2021</a:t>
             </a:fld>
             <a:endParaRPr lang="de-DE"/>
           </a:p>
@@ -8940,7 +9350,7 @@
           <a:p>
             <a:fld id="{AB9160FA-352F-46B2-B025-5425C8A3F15F}" type="datetime1">
               <a:rPr lang="de-DE" smtClean="0"/>
-              <a:t>30.09.2021</a:t>
+              <a:t>07.10.2021</a:t>
             </a:fld>
             <a:endParaRPr lang="de-DE" dirty="0"/>
           </a:p>
@@ -9581,7 +9991,7 @@
           <a:p>
             <a:fld id="{5F0D694B-7204-49EF-B05A-AFEFF586980D}" type="datetime1">
               <a:rPr lang="de-DE" smtClean="0"/>
-              <a:t>30.09.2021</a:t>
+              <a:t>07.10.2021</a:t>
             </a:fld>
             <a:endParaRPr lang="de-DE" dirty="0"/>
           </a:p>
@@ -10253,7 +10663,7 @@
           <a:p>
             <a:fld id="{FEBA0268-4777-4C42-821B-583104E59CC8}" type="datetime1">
               <a:rPr lang="de-DE" smtClean="0"/>
-              <a:t>30.09.2021</a:t>
+              <a:t>07.10.2021</a:t>
             </a:fld>
             <a:endParaRPr lang="de-DE"/>
           </a:p>
@@ -10415,7 +10825,7 @@
           <a:p>
             <a:fld id="{D6FC3C56-E0E0-46E8-ABEB-BB3C70F10303}" type="datetime1">
               <a:rPr lang="de-DE" smtClean="0"/>
-              <a:t>30.09.2021</a:t>
+              <a:t>07.10.2021</a:t>
             </a:fld>
             <a:endParaRPr lang="de-DE"/>
           </a:p>
@@ -10774,7 +11184,7 @@
           <a:p>
             <a:fld id="{56D664EB-3B07-4264-AB12-71B433114CEE}" type="datetime1">
               <a:rPr lang="de-DE" smtClean="0"/>
-              <a:t>30.09.2021</a:t>
+              <a:t>07.10.2021</a:t>
             </a:fld>
             <a:endParaRPr lang="de-DE"/>
           </a:p>
@@ -11005,7 +11415,7 @@
           <a:p>
             <a:fld id="{6F46E613-54A3-434E-BB31-028B9895381C}" type="datetime1">
               <a:rPr lang="de-DE" smtClean="0"/>
-              <a:t>30.09.2021</a:t>
+              <a:t>07.10.2021</a:t>
             </a:fld>
             <a:endParaRPr lang="de-DE"/>
           </a:p>
@@ -11259,7 +11669,7 @@
           <a:p>
             <a:fld id="{F1ADBEAA-3B66-4EC0-AB27-31695FAF7512}" type="datetime1">
               <a:rPr lang="de-DE" smtClean="0"/>
-              <a:t>30.09.2021</a:t>
+              <a:t>07.10.2021</a:t>
             </a:fld>
             <a:endParaRPr lang="de-DE"/>
           </a:p>
@@ -11762,7 +12172,7 @@
           <a:p>
             <a:fld id="{1C4998AD-6639-4331-A09B-EF1C0D41E2D4}" type="datetime1">
               <a:rPr lang="de-DE" smtClean="0"/>
-              <a:t>30.09.2021</a:t>
+              <a:t>07.10.2021</a:t>
             </a:fld>
             <a:endParaRPr lang="de-DE"/>
           </a:p>
@@ -11998,7 +12408,7 @@
           <a:p>
             <a:fld id="{97DB49B2-E1F1-4170-8B16-3E72E8E4E906}" type="datetime1">
               <a:rPr lang="de-DE" smtClean="0"/>
-              <a:t>30.09.2021</a:t>
+              <a:t>07.10.2021</a:t>
             </a:fld>
             <a:endParaRPr lang="de-DE"/>
           </a:p>
@@ -12379,7 +12789,7 @@
           <a:p>
             <a:fld id="{6F6C2C3D-0D8A-4972-AC36-35BDDD3E4863}" type="datetime1">
               <a:rPr lang="de-DE" smtClean="0"/>
-              <a:t>30.09.2021</a:t>
+              <a:t>07.10.2021</a:t>
             </a:fld>
             <a:endParaRPr lang="de-DE"/>
           </a:p>
@@ -12758,7 +13168,7 @@
           <a:p>
             <a:fld id="{40F3B623-AA1B-42CB-B4F8-FF598E507CF0}" type="datetime1">
               <a:rPr lang="de-DE" smtClean="0"/>
-              <a:t>30.09.2021</a:t>
+              <a:t>07.10.2021</a:t>
             </a:fld>
             <a:endParaRPr lang="de-DE"/>
           </a:p>
@@ -13015,7 +13425,7 @@
           <a:p>
             <a:fld id="{A9A769D8-83E2-4977-9B38-B1FCC51532A8}" type="datetime1">
               <a:rPr lang="de-DE" smtClean="0"/>
-              <a:t>30.09.2021</a:t>
+              <a:t>07.10.2021</a:t>
             </a:fld>
             <a:endParaRPr lang="de-DE"/>
           </a:p>
@@ -13329,7 +13739,7 @@
           <a:p>
             <a:fld id="{4C9DA0F0-24DB-4D70-BDBC-1E192763A5CC}" type="datetime1">
               <a:rPr lang="de-DE" smtClean="0"/>
-              <a:t>30.09.2021</a:t>
+              <a:t>07.10.2021</a:t>
             </a:fld>
             <a:endParaRPr lang="de-DE"/>
           </a:p>
@@ -13624,7 +14034,7 @@
           <a:p>
             <a:fld id="{C172BAA1-9100-45C7-8BD0-C0CCB27550F5}" type="datetime1">
               <a:rPr lang="de-DE" smtClean="0"/>
-              <a:t>30.09.2021</a:t>
+              <a:t>07.10.2021</a:t>
             </a:fld>
             <a:endParaRPr lang="de-DE"/>
           </a:p>
@@ -14060,7 +14470,7 @@
           <a:p>
             <a:fld id="{2FFC924A-9FCB-4EC3-AB19-124D7B918603}" type="datetime1">
               <a:rPr lang="de-DE" smtClean="0"/>
-              <a:t>30.09.2021</a:t>
+              <a:t>07.10.2021</a:t>
             </a:fld>
             <a:endParaRPr lang="de-DE"/>
           </a:p>
@@ -14250,7 +14660,7 @@
           <a:p>
             <a:fld id="{CA0A9769-544B-46A9-BF13-C6790444E156}" type="datetime1">
               <a:rPr lang="de-DE" smtClean="0"/>
-              <a:t>30.09.2021</a:t>
+              <a:t>07.10.2021</a:t>
             </a:fld>
             <a:endParaRPr lang="de-DE"/>
           </a:p>
@@ -14812,7 +15222,7 @@
           <a:p>
             <a:fld id="{6802C736-DB85-46D0-9DDD-F29E5B497B33}" type="datetime1">
               <a:rPr lang="de-DE" smtClean="0"/>
-              <a:t>30.09.2021</a:t>
+              <a:t>07.10.2021</a:t>
             </a:fld>
             <a:endParaRPr lang="de-DE"/>
           </a:p>
@@ -15309,7 +15719,7 @@
           <a:p>
             <a:fld id="{19FFC23F-817D-47F9-98E2-D2C38F3549EE}" type="datetime1">
               <a:rPr lang="de-DE" smtClean="0"/>
-              <a:t>30.09.2021</a:t>
+              <a:t>07.10.2021</a:t>
             </a:fld>
             <a:endParaRPr lang="de-DE"/>
           </a:p>
@@ -15665,7 +16075,7 @@
           <a:p>
             <a:fld id="{3D3860D2-4E49-43DB-A777-DAF13C18E0D4}" type="datetime1">
               <a:rPr lang="de-DE" smtClean="0"/>
-              <a:t>30.09.2021</a:t>
+              <a:t>07.10.2021</a:t>
             </a:fld>
             <a:endParaRPr lang="de-DE"/>
           </a:p>
@@ -15963,7 +16373,7 @@
           <a:p>
             <a:fld id="{A9369F56-93D9-41F0-AD35-F30C11E0482F}" type="datetime1">
               <a:rPr lang="de-DE" smtClean="0"/>
-              <a:t>30.09.2021</a:t>
+              <a:t>07.10.2021</a:t>
             </a:fld>
             <a:endParaRPr lang="de-DE"/>
           </a:p>
@@ -16344,7 +16754,7 @@
           <a:p>
             <a:fld id="{2FC7DA11-F400-49F2-9430-2B9A2CD5F65D}" type="datetime1">
               <a:rPr lang="de-DE" smtClean="0"/>
-              <a:t>30.09.2021</a:t>
+              <a:t>07.10.2021</a:t>
             </a:fld>
             <a:endParaRPr lang="de-DE"/>
           </a:p>
@@ -16677,7 +17087,7 @@
           <a:p>
             <a:fld id="{C2954365-3075-4855-A837-93BCBD4244BD}" type="datetime1">
               <a:rPr lang="de-DE" smtClean="0"/>
-              <a:t>30.09.2021</a:t>
+              <a:t>07.10.2021</a:t>
             </a:fld>
             <a:endParaRPr lang="de-DE"/>
           </a:p>
@@ -16955,7 +17365,7 @@
           <a:p>
             <a:fld id="{5629E5D9-3AB1-4FEE-B4EB-73D93A275677}" type="datetime1">
               <a:rPr lang="de-DE" smtClean="0"/>
-              <a:t>30.09.2021</a:t>
+              <a:t>07.10.2021</a:t>
             </a:fld>
             <a:endParaRPr lang="de-DE"/>
           </a:p>
@@ -17151,7 +17561,7 @@
           <a:p>
             <a:fld id="{8B62F52C-7B89-451F-902C-4B5C6572EE05}" type="datetime1">
               <a:rPr lang="de-DE" smtClean="0"/>
-              <a:t>30.09.2021</a:t>
+              <a:t>07.10.2021</a:t>
             </a:fld>
             <a:endParaRPr lang="de-DE"/>
           </a:p>
@@ -17418,7 +17828,7 @@
           <a:p>
             <a:fld id="{84B9242F-34FA-4CE4-BFFD-F544935B7385}" type="datetime1">
               <a:rPr lang="de-DE" smtClean="0"/>
-              <a:t>30.09.2021</a:t>
+              <a:t>07.10.2021</a:t>
             </a:fld>
             <a:endParaRPr lang="de-DE"/>
           </a:p>
@@ -17852,7 +18262,7 @@
           <a:p>
             <a:fld id="{7DA4DFF1-13D7-428B-B3F3-16F93F9E2EA5}" type="datetime1">
               <a:rPr lang="de-DE" smtClean="0"/>
-              <a:t>30.09.2021</a:t>
+              <a:t>07.10.2021</a:t>
             </a:fld>
             <a:endParaRPr lang="de-DE"/>
           </a:p>
@@ -18430,7 +18840,7 @@
           <a:p>
             <a:fld id="{3A93683F-6825-499F-830A-31F8B40D450E}" type="datetime1">
               <a:rPr lang="de-DE" smtClean="0"/>
-              <a:t>30.09.2021</a:t>
+              <a:t>07.10.2021</a:t>
             </a:fld>
             <a:endParaRPr lang="de-DE"/>
           </a:p>
@@ -18692,7 +19102,7 @@
           <a:p>
             <a:fld id="{9910D4FB-935F-43C6-865F-9FD52EE9268C}" type="datetime1">
               <a:rPr lang="de-DE" smtClean="0"/>
-              <a:t>30.09.2021</a:t>
+              <a:t>07.10.2021</a:t>
             </a:fld>
             <a:endParaRPr lang="de-DE"/>
           </a:p>
@@ -19038,7 +19448,7 @@
           <a:p>
             <a:fld id="{33EEF85E-A88B-4D30-AFE8-E0CD4981BF78}" type="datetime1">
               <a:rPr lang="de-DE" smtClean="0"/>
-              <a:t>30.09.2021</a:t>
+              <a:t>07.10.2021</a:t>
             </a:fld>
             <a:endParaRPr lang="de-DE"/>
           </a:p>
@@ -19350,7 +19760,7 @@
           <a:p>
             <a:fld id="{E271A8B4-72A6-472D-9433-C68648D1A740}" type="datetime1">
               <a:rPr lang="de-DE" smtClean="0"/>
-              <a:t>30.09.2021</a:t>
+              <a:t>07.10.2021</a:t>
             </a:fld>
             <a:endParaRPr lang="de-DE"/>
           </a:p>
@@ -19527,7 +19937,7 @@
             </a:pPr>
             <a:r>
               <a:rPr lang="de-DE" dirty="0"/>
-              <a:t>Finde heraus, ob die Aussage a&lt;=b&gt;=c</a:t>
+              <a:t>Finde heraus, ob die Aussage a ≤ b ≥ c</a:t>
             </a:r>
             <a:br>
               <a:rPr lang="de-DE" dirty="0"/>
@@ -19583,7 +19993,7 @@
           <a:p>
             <a:fld id="{1EB9E8F1-ED17-4211-B049-64B81ABFBD1D}" type="datetime1">
               <a:rPr lang="de-DE" smtClean="0"/>
-              <a:t>30.09.2021</a:t>
+              <a:t>07.10.2021</a:t>
             </a:fld>
             <a:endParaRPr lang="de-DE"/>
           </a:p>
@@ -20011,7 +20421,7 @@
           <a:p>
             <a:fld id="{3C92E264-978A-4C97-B077-1B9CF5A24028}" type="datetime1">
               <a:rPr lang="de-DE" smtClean="0"/>
-              <a:t>30.09.2021</a:t>
+              <a:t>07.10.2021</a:t>
             </a:fld>
             <a:endParaRPr lang="de-DE"/>
           </a:p>
@@ -20224,7 +20634,7 @@
           <a:p>
             <a:fld id="{BAE93D48-09E5-4A0A-A5BE-39666C4EFC0C}" type="datetime1">
               <a:rPr lang="de-DE" smtClean="0"/>
-              <a:t>30.09.2021</a:t>
+              <a:t>07.10.2021</a:t>
             </a:fld>
             <a:endParaRPr lang="de-DE"/>
           </a:p>
@@ -20368,7 +20778,7 @@
           <a:p>
             <a:fld id="{D75783E5-FEDC-4A0A-9341-02F697AC5F3A}" type="datetime1">
               <a:rPr lang="de-DE" smtClean="0"/>
-              <a:t>30.09.2021</a:t>
+              <a:t>07.10.2021</a:t>
             </a:fld>
             <a:endParaRPr lang="de-DE"/>
           </a:p>
@@ -20605,7 +21015,7 @@
           <a:p>
             <a:fld id="{3210A463-E24F-41E1-AF3A-18EAC7BC0CFE}" type="datetime1">
               <a:rPr lang="de-DE" smtClean="0"/>
-              <a:t>30.09.2021</a:t>
+              <a:t>07.10.2021</a:t>
             </a:fld>
             <a:endParaRPr lang="de-DE"/>
           </a:p>
@@ -20901,7 +21311,7 @@
           <a:p>
             <a:fld id="{8D0F1A50-C672-45F5-968B-D0D0B67C8AB8}" type="datetime1">
               <a:rPr lang="de-DE" smtClean="0"/>
-              <a:t>30.09.2021</a:t>
+              <a:t>07.10.2021</a:t>
             </a:fld>
             <a:endParaRPr lang="de-DE"/>
           </a:p>
@@ -21484,7 +21894,7 @@
           <a:p>
             <a:fld id="{9FCCC90E-516E-4051-853C-C62079775DE6}" type="datetime1">
               <a:rPr lang="de-DE" smtClean="0"/>
-              <a:t>30.09.2021</a:t>
+              <a:t>07.10.2021</a:t>
             </a:fld>
             <a:endParaRPr lang="de-DE"/>
           </a:p>
@@ -21693,7 +22103,7 @@
           <a:p>
             <a:r>
               <a:rPr lang="de-DE" dirty="0"/>
-              <a:t>"Rechnen mit Listen"</a:t>
+              <a:t>"Rechnen" mit Listen</a:t>
             </a:r>
           </a:p>
           <a:p>
@@ -21737,7 +22147,7 @@
           <a:p>
             <a:fld id="{5556C715-7B62-4DE1-B0B3-943AF0E928A2}" type="datetime1">
               <a:rPr lang="de-DE" smtClean="0"/>
-              <a:t>30.09.2021</a:t>
+              <a:t>07.10.2021</a:t>
             </a:fld>
             <a:endParaRPr lang="de-DE"/>
           </a:p>
@@ -22027,7 +22437,7 @@
                   </a:schemeClr>
                 </a:solidFill>
               </a:rPr>
-              <a:t>]=</a:t>
+              <a:t>] = </a:t>
             </a:r>
             <a:r>
               <a:rPr lang="de-DE" sz="2400" b="1" i="1" dirty="0">
@@ -22079,7 +22489,7 @@
           <a:p>
             <a:fld id="{0E5D19C7-31AD-4791-96DD-93CF82E0803E}" type="datetime1">
               <a:rPr lang="de-DE" smtClean="0"/>
-              <a:t>30.09.2021</a:t>
+              <a:t>07.10.2021</a:t>
             </a:fld>
             <a:endParaRPr lang="de-DE"/>
           </a:p>
@@ -22412,7 +22822,7 @@
           <a:p>
             <a:fld id="{AFA74B6A-2272-4FC3-995B-849347C3A4C9}" type="datetime1">
               <a:rPr lang="de-DE" smtClean="0"/>
-              <a:t>30.09.2021</a:t>
+              <a:t>07.10.2021</a:t>
             </a:fld>
             <a:endParaRPr lang="de-DE"/>
           </a:p>
@@ -22587,7 +22997,7 @@
           <a:p>
             <a:fld id="{D9D82C70-8B8A-48ED-B6B5-03ABC2CDABCA}" type="datetime1">
               <a:rPr lang="de-DE" smtClean="0"/>
-              <a:t>30.09.2021</a:t>
+              <a:t>07.10.2021</a:t>
             </a:fld>
             <a:endParaRPr lang="de-DE"/>
           </a:p>
@@ -22977,7 +23387,7 @@
           <a:p>
             <a:fld id="{B82AE71A-A761-44A1-9986-E7AF09F70E28}" type="datetime1">
               <a:rPr lang="de-DE" smtClean="0"/>
-              <a:t>30.09.2021</a:t>
+              <a:t>07.10.2021</a:t>
             </a:fld>
             <a:endParaRPr lang="de-DE"/>
           </a:p>
@@ -23313,7 +23723,7 @@
           <a:p>
             <a:fld id="{A10A2399-71A8-4051-A529-E2A57BCA822C}" type="datetime1">
               <a:rPr lang="de-DE" smtClean="0"/>
-              <a:t>30.09.2021</a:t>
+              <a:t>07.10.2021</a:t>
             </a:fld>
             <a:endParaRPr lang="de-DE"/>
           </a:p>
@@ -23658,7 +24068,7 @@
           <a:p>
             <a:fld id="{5F44D599-8027-4165-8013-0BD0BC1890A2}" type="datetime1">
               <a:rPr lang="de-DE" smtClean="0"/>
-              <a:t>30.09.2021</a:t>
+              <a:t>07.10.2021</a:t>
             </a:fld>
             <a:endParaRPr lang="de-DE"/>
           </a:p>
@@ -23877,7 +24287,7 @@
           <a:p>
             <a:fld id="{521549FF-617C-4EF2-91D7-60037F31696E}" type="datetime1">
               <a:rPr lang="de-DE" smtClean="0"/>
-              <a:t>30.09.2021</a:t>
+              <a:t>07.10.2021</a:t>
             </a:fld>
             <a:endParaRPr lang="de-DE"/>
           </a:p>
@@ -24272,7 +24682,7 @@
           <a:p>
             <a:fld id="{D507CD63-CC4D-4BB2-9FC8-19AD8E890E63}" type="datetime1">
               <a:rPr lang="de-DE" smtClean="0"/>
-              <a:t>30.09.2021</a:t>
+              <a:t>07.10.2021</a:t>
             </a:fld>
             <a:endParaRPr lang="de-DE"/>
           </a:p>
@@ -24585,7 +24995,7 @@
           <a:p>
             <a:fld id="{05244425-8214-4DEC-9A68-65271875081F}" type="datetime1">
               <a:rPr lang="de-DE" smtClean="0"/>
-              <a:t>30.09.2021</a:t>
+              <a:t>07.10.2021</a:t>
             </a:fld>
             <a:endParaRPr lang="de-DE"/>
           </a:p>
@@ -25214,7 +25624,7 @@
           <a:p>
             <a:fld id="{E2854D1E-CC8A-4AF0-9698-7CF30BDBCA84}" type="datetime1">
               <a:rPr lang="de-DE" smtClean="0"/>
-              <a:t>30.09.2021</a:t>
+              <a:t>07.10.2021</a:t>
             </a:fld>
             <a:endParaRPr lang="de-DE"/>
           </a:p>
@@ -25522,7 +25932,7 @@
           <a:p>
             <a:fld id="{E8506EB2-00E5-47B1-A0A3-68F21A3D9ECC}" type="datetime1">
               <a:rPr lang="de-DE" smtClean="0"/>
-              <a:t>30.09.2021</a:t>
+              <a:t>07.10.2021</a:t>
             </a:fld>
             <a:endParaRPr lang="de-DE"/>
           </a:p>
@@ -25798,7 +26208,7 @@
           <a:p>
             <a:fld id="{FC37FB73-43AD-4BCB-A8B7-398E0ABCDD3A}" type="datetime1">
               <a:rPr lang="de-DE" smtClean="0"/>
-              <a:t>30.09.2021</a:t>
+              <a:t>07.10.2021</a:t>
             </a:fld>
             <a:endParaRPr lang="de-DE"/>
           </a:p>
@@ -25978,7 +26388,7 @@
           <a:p>
             <a:fld id="{5B778F2B-0406-4A73-B501-990329E74751}" type="datetime1">
               <a:rPr lang="de-DE" smtClean="0"/>
-              <a:t>30.09.2021</a:t>
+              <a:t>07.10.2021</a:t>
             </a:fld>
             <a:endParaRPr lang="de-DE"/>
           </a:p>
@@ -26383,7 +26793,7 @@
           <a:p>
             <a:fld id="{5B778F2B-0406-4A73-B501-990329E74751}" type="datetime1">
               <a:rPr lang="de-DE" smtClean="0"/>
-              <a:t>30.09.2021</a:t>
+              <a:t>07.10.2021</a:t>
             </a:fld>
             <a:endParaRPr lang="de-DE"/>
           </a:p>
@@ -26993,7 +27403,7 @@
           <a:p>
             <a:fld id="{5B778F2B-0406-4A73-B501-990329E74751}" type="datetime1">
               <a:rPr lang="de-DE" smtClean="0"/>
-              <a:t>30.09.2021</a:t>
+              <a:t>07.10.2021</a:t>
             </a:fld>
             <a:endParaRPr lang="de-DE"/>
           </a:p>
@@ -27822,7 +28232,7 @@
           <a:p>
             <a:fld id="{38F87A43-8079-4CB7-B86D-866A303FB094}" type="datetime1">
               <a:rPr lang="de-DE" smtClean="0"/>
-              <a:t>30.09.2021</a:t>
+              <a:t>07.10.2021</a:t>
             </a:fld>
             <a:endParaRPr lang="de-DE"/>
           </a:p>
@@ -28032,7 +28442,7 @@
           <a:p>
             <a:fld id="{EC1CD622-1FE5-41E5-8C5A-E826D2033FCC}" type="datetime1">
               <a:rPr lang="de-DE" smtClean="0"/>
-              <a:t>30.09.2021</a:t>
+              <a:t>07.10.2021</a:t>
             </a:fld>
             <a:endParaRPr lang="de-DE"/>
           </a:p>
@@ -28470,7 +28880,7 @@
           <a:p>
             <a:fld id="{EC1CD622-1FE5-41E5-8C5A-E826D2033FCC}" type="datetime1">
               <a:rPr lang="de-DE" smtClean="0"/>
-              <a:t>30.09.2021</a:t>
+              <a:t>07.10.2021</a:t>
             </a:fld>
             <a:endParaRPr lang="de-DE"/>
           </a:p>
@@ -28770,7 +29180,7 @@
           <a:p>
             <a:fld id="{EC1CD622-1FE5-41E5-8C5A-E826D2033FCC}" type="datetime1">
               <a:rPr lang="de-DE" smtClean="0"/>
-              <a:t>30.09.2021</a:t>
+              <a:t>07.10.2021</a:t>
             </a:fld>
             <a:endParaRPr lang="de-DE"/>
           </a:p>
@@ -29012,7 +29422,7 @@
           <a:p>
             <a:fld id="{F76D71DA-E1AE-4E9A-944F-243B0AD47101}" type="datetime1">
               <a:rPr lang="de-DE" smtClean="0"/>
-              <a:t>30.09.2021</a:t>
+              <a:t>07.10.2021</a:t>
             </a:fld>
             <a:endParaRPr lang="de-DE"/>
           </a:p>
@@ -29237,7 +29647,7 @@
           <a:p>
             <a:fld id="{9DE610D0-EC54-4B8A-9B9F-60F36FB3B089}" type="datetime1">
               <a:rPr lang="de-DE" smtClean="0"/>
-              <a:t>30.09.2021</a:t>
+              <a:t>07.10.2021</a:t>
             </a:fld>
             <a:endParaRPr lang="de-DE"/>
           </a:p>
@@ -29550,7 +29960,7 @@
           <a:p>
             <a:fld id="{9DE610D0-EC54-4B8A-9B9F-60F36FB3B089}" type="datetime1">
               <a:rPr lang="de-DE" smtClean="0"/>
-              <a:t>30.09.2021</a:t>
+              <a:t>07.10.2021</a:t>
             </a:fld>
             <a:endParaRPr lang="de-DE"/>
           </a:p>
@@ -29759,7 +30169,7 @@
           <a:p>
             <a:fld id="{9DE610D0-EC54-4B8A-9B9F-60F36FB3B089}" type="datetime1">
               <a:rPr lang="de-DE" smtClean="0"/>
-              <a:t>30.09.2021</a:t>
+              <a:t>07.10.2021</a:t>
             </a:fld>
             <a:endParaRPr lang="de-DE"/>
           </a:p>
@@ -30319,7 +30729,7 @@
           <a:p>
             <a:fld id="{EC1CD622-1FE5-41E5-8C5A-E826D2033FCC}" type="datetime1">
               <a:rPr lang="de-DE" smtClean="0"/>
-              <a:t>30.09.2021</a:t>
+              <a:t>07.10.2021</a:t>
             </a:fld>
             <a:endParaRPr lang="de-DE"/>
           </a:p>
@@ -30775,7 +31185,7 @@
           <a:p>
             <a:fld id="{EC1CD622-1FE5-41E5-8C5A-E826D2033FCC}" type="datetime1">
               <a:rPr lang="de-DE" smtClean="0"/>
-              <a:t>30.09.2021</a:t>
+              <a:t>07.10.2021</a:t>
             </a:fld>
             <a:endParaRPr lang="de-DE"/>
           </a:p>
@@ -31249,7 +31659,7 @@
           <a:p>
             <a:fld id="{EC1CD622-1FE5-41E5-8C5A-E826D2033FCC}" type="datetime1">
               <a:rPr lang="de-DE" smtClean="0"/>
-              <a:t>30.09.2021</a:t>
+              <a:t>07.10.2021</a:t>
             </a:fld>
             <a:endParaRPr lang="de-DE"/>
           </a:p>
@@ -31460,7 +31870,7 @@
           <a:p>
             <a:fld id="{EC1CD622-1FE5-41E5-8C5A-E826D2033FCC}" type="datetime1">
               <a:rPr lang="de-DE" smtClean="0"/>
-              <a:t>30.09.2021</a:t>
+              <a:t>07.10.2021</a:t>
             </a:fld>
             <a:endParaRPr lang="de-DE"/>
           </a:p>
@@ -31588,7 +31998,7 @@
           <p:cNvPr id="2" name="Titel 1">
             <a:extLst>
               <a:ext uri="{FF2B5EF4-FFF2-40B4-BE49-F238E27FC236}">
-                <a16:creationId xmlns:a16="http://schemas.microsoft.com/office/drawing/2014/main" id="{876A07A1-E0E9-4589-8ACF-29A351480188}"/>
+                <a16:creationId xmlns:a16="http://schemas.microsoft.com/office/drawing/2014/main" id="{9B031CD1-14CB-47BF-92F5-F3E4BD50A5EF}"/>
               </a:ext>
             </a:extLst>
           </p:cNvPr>
@@ -31605,43 +32015,8 @@
           <a:lstStyle/>
           <a:p>
             <a:r>
-              <a:rPr lang="de-DE" dirty="0"/>
-              <a:t>Ausblick</a:t>
-            </a:r>
-          </a:p>
-        </p:txBody>
-      </p:sp>
-      <p:sp>
-        <p:nvSpPr>
-          <p:cNvPr id="3" name="Inhaltsplatzhalter 2">
-            <a:extLst>
-              <a:ext uri="{FF2B5EF4-FFF2-40B4-BE49-F238E27FC236}">
-                <a16:creationId xmlns:a16="http://schemas.microsoft.com/office/drawing/2014/main" id="{54D5B4F1-C7F7-4FC7-AF38-ADA12EB35630}"/>
-              </a:ext>
-            </a:extLst>
-          </p:cNvPr>
-          <p:cNvSpPr>
-            <a:spLocks noGrp="1"/>
-          </p:cNvSpPr>
-          <p:nvPr>
-            <p:ph idx="1"/>
-          </p:nvPr>
-        </p:nvSpPr>
-        <p:spPr/>
-        <p:txBody>
-          <a:bodyPr/>
-          <a:lstStyle/>
-          <a:p>
-            <a:r>
-              <a:rPr lang="de-DE" dirty="0"/>
-              <a:t>Uns fehlen noch ein paar Konzepte, bevor wir loslegen können</a:t>
-            </a:r>
-          </a:p>
-          <a:p>
-            <a:pPr lvl="1"/>
-            <a:r>
               <a:rPr lang="de-DE" dirty="0" err="1"/>
-              <a:t>async</a:t>
+              <a:t>Async</a:t>
             </a:r>
             <a:r>
               <a:rPr lang="de-DE" dirty="0"/>
@@ -31653,11 +32028,32 @@
             </a:r>
             <a:endParaRPr lang="de-DE" dirty="0"/>
           </a:p>
-          <a:p>
-            <a:pPr lvl="1"/>
-            <a:r>
-              <a:rPr lang="de-DE" dirty="0"/>
-              <a:t>Klassen und Objekte</a:t>
+        </p:txBody>
+      </p:sp>
+      <p:sp>
+        <p:nvSpPr>
+          <p:cNvPr id="3" name="Inhaltsplatzhalter 2">
+            <a:extLst>
+              <a:ext uri="{FF2B5EF4-FFF2-40B4-BE49-F238E27FC236}">
+                <a16:creationId xmlns:a16="http://schemas.microsoft.com/office/drawing/2014/main" id="{B5B3897D-7F02-4BC9-A440-8619F225F598}"/>
+              </a:ext>
+            </a:extLst>
+          </p:cNvPr>
+          <p:cNvSpPr>
+            <a:spLocks noGrp="1"/>
+          </p:cNvSpPr>
+          <p:nvPr>
+            <p:ph idx="1"/>
+          </p:nvPr>
+        </p:nvSpPr>
+        <p:spPr/>
+        <p:txBody>
+          <a:bodyPr/>
+          <a:lstStyle/>
+          <a:p>
+            <a:r>
+              <a:rPr lang="de-DE" dirty="0"/>
+              <a:t>Aufgaben im Hintergrund parallel erledigen lassen</a:t>
             </a:r>
           </a:p>
         </p:txBody>
@@ -31667,7 +32063,7 @@
           <p:cNvPr id="4" name="Datumsplatzhalter 3">
             <a:extLst>
               <a:ext uri="{FF2B5EF4-FFF2-40B4-BE49-F238E27FC236}">
-                <a16:creationId xmlns:a16="http://schemas.microsoft.com/office/drawing/2014/main" id="{D08AE6C1-43B2-4E4C-AD04-92D62419D53B}"/>
+                <a16:creationId xmlns:a16="http://schemas.microsoft.com/office/drawing/2014/main" id="{4693A968-0D25-4B10-85E4-0D3AAE89FB29}"/>
               </a:ext>
             </a:extLst>
           </p:cNvPr>
@@ -31683,9 +32079,9 @@
           <a:bodyPr/>
           <a:lstStyle/>
           <a:p>
-            <a:fld id="{795D6F22-C3DB-4C50-AB93-27DFECB907EB}" type="datetime1">
+            <a:fld id="{9DE610D0-EC54-4B8A-9B9F-60F36FB3B089}" type="datetime1">
               <a:rPr lang="de-DE" smtClean="0"/>
-              <a:t>30.09.2021</a:t>
+              <a:t>07.10.2021</a:t>
             </a:fld>
             <a:endParaRPr lang="de-DE"/>
           </a:p>
@@ -31696,7 +32092,7 @@
           <p:cNvPr id="5" name="Fußzeilenplatzhalter 4">
             <a:extLst>
               <a:ext uri="{FF2B5EF4-FFF2-40B4-BE49-F238E27FC236}">
-                <a16:creationId xmlns:a16="http://schemas.microsoft.com/office/drawing/2014/main" id="{B1838CD6-A1DC-48FA-87DD-26192AB85596}"/>
+                <a16:creationId xmlns:a16="http://schemas.microsoft.com/office/drawing/2014/main" id="{504FD0F8-8019-41C1-9845-187D32895B64}"/>
               </a:ext>
             </a:extLst>
           </p:cNvPr>
@@ -31724,7 +32120,7 @@
           <p:cNvPr id="6" name="Foliennummernplatzhalter 5">
             <a:extLst>
               <a:ext uri="{FF2B5EF4-FFF2-40B4-BE49-F238E27FC236}">
-                <a16:creationId xmlns:a16="http://schemas.microsoft.com/office/drawing/2014/main" id="{659EB146-4662-42BB-9E38-22A96479AA6D}"/>
+                <a16:creationId xmlns:a16="http://schemas.microsoft.com/office/drawing/2014/main" id="{9AFE2190-C2BD-4BED-B296-12901558E044}"/>
               </a:ext>
             </a:extLst>
           </p:cNvPr>
@@ -31748,10 +32144,231 @@
           </a:p>
         </p:txBody>
       </p:sp>
+      <p:sp>
+        <p:nvSpPr>
+          <p:cNvPr id="11" name="Textfeld 10">
+            <a:extLst>
+              <a:ext uri="{FF2B5EF4-FFF2-40B4-BE49-F238E27FC236}">
+                <a16:creationId xmlns:a16="http://schemas.microsoft.com/office/drawing/2014/main" id="{4EBB7491-F7D4-4620-ACD9-D7B6A795B399}"/>
+              </a:ext>
+            </a:extLst>
+          </p:cNvPr>
+          <p:cNvSpPr txBox="1"/>
+          <p:nvPr/>
+        </p:nvSpPr>
+        <p:spPr>
+          <a:xfrm>
+            <a:off x="1613748" y="5981184"/>
+            <a:ext cx="806118" cy="369332"/>
+          </a:xfrm>
+          <a:prstGeom prst="rect">
+            <a:avLst/>
+          </a:prstGeom>
+          <a:noFill/>
+        </p:spPr>
+        <p:txBody>
+          <a:bodyPr wrap="none" rtlCol="0">
+            <a:spAutoFit/>
+          </a:bodyPr>
+          <a:lstStyle/>
+          <a:p>
+            <a:r>
+              <a:rPr lang="de-DE" dirty="0"/>
+              <a:t>vorher</a:t>
+            </a:r>
+          </a:p>
+        </p:txBody>
+      </p:sp>
+      <p:sp>
+        <p:nvSpPr>
+          <p:cNvPr id="12" name="Textfeld 11">
+            <a:extLst>
+              <a:ext uri="{FF2B5EF4-FFF2-40B4-BE49-F238E27FC236}">
+                <a16:creationId xmlns:a16="http://schemas.microsoft.com/office/drawing/2014/main" id="{25D56BCD-2EC9-4C0F-A277-FAA0EE54C580}"/>
+              </a:ext>
+            </a:extLst>
+          </p:cNvPr>
+          <p:cNvSpPr txBox="1"/>
+          <p:nvPr/>
+        </p:nvSpPr>
+        <p:spPr>
+          <a:xfrm>
+            <a:off x="4574350" y="5981184"/>
+            <a:ext cx="954107" cy="369332"/>
+          </a:xfrm>
+          <a:prstGeom prst="rect">
+            <a:avLst/>
+          </a:prstGeom>
+          <a:noFill/>
+        </p:spPr>
+        <p:txBody>
+          <a:bodyPr wrap="none" rtlCol="0">
+            <a:spAutoFit/>
+          </a:bodyPr>
+          <a:lstStyle/>
+          <a:p>
+            <a:r>
+              <a:rPr lang="de-DE" dirty="0"/>
+              <a:t>nachher</a:t>
+            </a:r>
+          </a:p>
+        </p:txBody>
+      </p:sp>
+      <p:pic>
+        <p:nvPicPr>
+          <p:cNvPr id="14" name="Grafik 13">
+            <a:extLst>
+              <a:ext uri="{FF2B5EF4-FFF2-40B4-BE49-F238E27FC236}">
+                <a16:creationId xmlns:a16="http://schemas.microsoft.com/office/drawing/2014/main" id="{CE43E59F-C973-48B4-B21B-53C197D8CF86}"/>
+              </a:ext>
+            </a:extLst>
+          </p:cNvPr>
+          <p:cNvPicPr>
+            <a:picLocks noChangeAspect="1"/>
+          </p:cNvPicPr>
+          <p:nvPr/>
+        </p:nvPicPr>
+        <p:blipFill>
+          <a:blip r:embed="rId3">
+            <a:extLst>
+              <a:ext uri="{96DAC541-7B7A-43D3-8B79-37D633B846F1}">
+                <asvg:svgBlip xmlns:asvg="http://schemas.microsoft.com/office/drawing/2016/SVG/main" r:embed="rId4"/>
+              </a:ext>
+            </a:extLst>
+          </a:blip>
+          <a:stretch>
+            <a:fillRect/>
+          </a:stretch>
+        </p:blipFill>
+        <p:spPr>
+          <a:xfrm>
+            <a:off x="4281224" y="2254102"/>
+            <a:ext cx="1540358" cy="2626096"/>
+          </a:xfrm>
+          <a:prstGeom prst="rect">
+            <a:avLst/>
+          </a:prstGeom>
+        </p:spPr>
+      </p:pic>
+      <p:pic>
+        <p:nvPicPr>
+          <p:cNvPr id="16" name="Grafik 15">
+            <a:extLst>
+              <a:ext uri="{FF2B5EF4-FFF2-40B4-BE49-F238E27FC236}">
+                <a16:creationId xmlns:a16="http://schemas.microsoft.com/office/drawing/2014/main" id="{9E96570D-5971-4E8E-BF0C-87D9A8233F53}"/>
+              </a:ext>
+            </a:extLst>
+          </p:cNvPr>
+          <p:cNvPicPr>
+            <a:picLocks noChangeAspect="1"/>
+          </p:cNvPicPr>
+          <p:nvPr/>
+        </p:nvPicPr>
+        <p:blipFill>
+          <a:blip r:embed="rId5">
+            <a:extLst>
+              <a:ext uri="{96DAC541-7B7A-43D3-8B79-37D633B846F1}">
+                <asvg:svgBlip xmlns:asvg="http://schemas.microsoft.com/office/drawing/2016/SVG/main" r:embed="rId6"/>
+              </a:ext>
+            </a:extLst>
+          </a:blip>
+          <a:stretch>
+            <a:fillRect/>
+          </a:stretch>
+        </p:blipFill>
+        <p:spPr>
+          <a:xfrm>
+            <a:off x="1541593" y="2254102"/>
+            <a:ext cx="950428" cy="3645048"/>
+          </a:xfrm>
+          <a:prstGeom prst="rect">
+            <a:avLst/>
+          </a:prstGeom>
+        </p:spPr>
+      </p:pic>
+      <p:sp>
+        <p:nvSpPr>
+          <p:cNvPr id="17" name="Geschweifte Klammer rechts 16">
+            <a:extLst>
+              <a:ext uri="{FF2B5EF4-FFF2-40B4-BE49-F238E27FC236}">
+                <a16:creationId xmlns:a16="http://schemas.microsoft.com/office/drawing/2014/main" id="{51E54860-886F-418A-9FD5-778ACDDC9369}"/>
+              </a:ext>
+            </a:extLst>
+          </p:cNvPr>
+          <p:cNvSpPr/>
+          <p:nvPr/>
+        </p:nvSpPr>
+        <p:spPr>
+          <a:xfrm>
+            <a:off x="5821582" y="4976037"/>
+            <a:ext cx="119308" cy="923113"/>
+          </a:xfrm>
+          <a:prstGeom prst="rightBrace">
+            <a:avLst/>
+          </a:prstGeom>
+        </p:spPr>
+        <p:style>
+          <a:lnRef idx="1">
+            <a:schemeClr val="accent1"/>
+          </a:lnRef>
+          <a:fillRef idx="0">
+            <a:schemeClr val="accent1"/>
+          </a:fillRef>
+          <a:effectRef idx="0">
+            <a:schemeClr val="accent1"/>
+          </a:effectRef>
+          <a:fontRef idx="minor">
+            <a:schemeClr val="tx1"/>
+          </a:fontRef>
+        </p:style>
+        <p:txBody>
+          <a:bodyPr rtlCol="0" anchor="ctr"/>
+          <a:lstStyle/>
+          <a:p>
+            <a:pPr algn="ctr"/>
+            <a:endParaRPr lang="de-DE"/>
+          </a:p>
+        </p:txBody>
+      </p:sp>
+      <p:sp>
+        <p:nvSpPr>
+          <p:cNvPr id="18" name="Textfeld 17">
+            <a:extLst>
+              <a:ext uri="{FF2B5EF4-FFF2-40B4-BE49-F238E27FC236}">
+                <a16:creationId xmlns:a16="http://schemas.microsoft.com/office/drawing/2014/main" id="{40DFF340-AD5F-46A9-AA6A-2D7A60E6518C}"/>
+              </a:ext>
+            </a:extLst>
+          </p:cNvPr>
+          <p:cNvSpPr txBox="1"/>
+          <p:nvPr/>
+        </p:nvSpPr>
+        <p:spPr>
+          <a:xfrm>
+            <a:off x="6113935" y="5252927"/>
+            <a:ext cx="1691617" cy="369332"/>
+          </a:xfrm>
+          <a:prstGeom prst="rect">
+            <a:avLst/>
+          </a:prstGeom>
+          <a:noFill/>
+        </p:spPr>
+        <p:txBody>
+          <a:bodyPr wrap="none" rtlCol="0">
+            <a:spAutoFit/>
+          </a:bodyPr>
+          <a:lstStyle/>
+          <a:p>
+            <a:r>
+              <a:rPr lang="de-DE" dirty="0"/>
+              <a:t>eingesparte Zeit</a:t>
+            </a:r>
+          </a:p>
+        </p:txBody>
+      </p:sp>
     </p:spTree>
     <p:extLst>
       <p:ext uri="{BB962C8B-B14F-4D97-AF65-F5344CB8AC3E}">
-        <p14:creationId xmlns:p14="http://schemas.microsoft.com/office/powerpoint/2010/main" val="821667791"/>
+        <p14:creationId xmlns:p14="http://schemas.microsoft.com/office/powerpoint/2010/main" val="4146490385"/>
       </p:ext>
     </p:extLst>
   </p:cSld>
@@ -31780,7 +32397,13 @@
       </p:grpSpPr>
       <p:sp>
         <p:nvSpPr>
-          <p:cNvPr id="4" name="Titel 3"/>
+          <p:cNvPr id="2" name="Titel 1">
+            <a:extLst>
+              <a:ext uri="{FF2B5EF4-FFF2-40B4-BE49-F238E27FC236}">
+                <a16:creationId xmlns:a16="http://schemas.microsoft.com/office/drawing/2014/main" id="{9B031CD1-14CB-47BF-92F5-F3E4BD50A5EF}"/>
+              </a:ext>
+            </a:extLst>
+          </p:cNvPr>
           <p:cNvSpPr>
             <a:spLocks noGrp="1"/>
           </p:cNvSpPr>
@@ -31794,15 +32417,30 @@
           <a:lstStyle/>
           <a:p>
             <a:r>
-              <a:rPr lang="de-DE" dirty="0"/>
-              <a:t>Zusammenfassung</a:t>
-            </a:r>
-          </a:p>
-        </p:txBody>
-      </p:sp>
-      <p:sp>
-        <p:nvSpPr>
-          <p:cNvPr id="5" name="Inhaltsplatzhalter 4"/>
+              <a:rPr lang="de-DE" dirty="0" err="1"/>
+              <a:t>Async</a:t>
+            </a:r>
+            <a:r>
+              <a:rPr lang="de-DE" dirty="0"/>
+              <a:t>/</a:t>
+            </a:r>
+            <a:r>
+              <a:rPr lang="de-DE" dirty="0" err="1"/>
+              <a:t>await</a:t>
+            </a:r>
+            <a:endParaRPr lang="de-DE" dirty="0"/>
+          </a:p>
+        </p:txBody>
+      </p:sp>
+      <p:sp>
+        <p:nvSpPr>
+          <p:cNvPr id="3" name="Inhaltsplatzhalter 2">
+            <a:extLst>
+              <a:ext uri="{FF2B5EF4-FFF2-40B4-BE49-F238E27FC236}">
+                <a16:creationId xmlns:a16="http://schemas.microsoft.com/office/drawing/2014/main" id="{B5B3897D-7F02-4BC9-A440-8619F225F598}"/>
+              </a:ext>
+            </a:extLst>
+          </p:cNvPr>
           <p:cNvSpPr>
             <a:spLocks noGrp="1"/>
           </p:cNvSpPr>
@@ -31810,127 +32448,138 @@
             <p:ph idx="1"/>
           </p:nvPr>
         </p:nvSpPr>
-        <p:spPr>
-          <a:xfrm>
-            <a:off x="838200" y="1520825"/>
-            <a:ext cx="11099104" cy="4645025"/>
-          </a:xfrm>
-        </p:spPr>
-        <p:txBody>
-          <a:bodyPr>
-            <a:normAutofit/>
-          </a:bodyPr>
-          <a:lstStyle/>
-          <a:p>
-            <a:r>
-              <a:rPr lang="de-DE" dirty="0"/>
-              <a:t>Dart ist eine kostenlose General Purpose Hochsprache</a:t>
-            </a:r>
-          </a:p>
-          <a:p>
-            <a:r>
-              <a:rPr lang="de-DE" dirty="0"/>
-              <a:t>Programmiert wird in reinem Text, die IDE </a:t>
-            </a:r>
-            <a:r>
-              <a:rPr lang="de-DE"/>
-              <a:t>übernimmt den Rest</a:t>
-            </a:r>
-            <a:endParaRPr lang="de-DE" dirty="0"/>
-          </a:p>
-          <a:p>
-            <a:r>
-              <a:rPr lang="de-DE" dirty="0"/>
-              <a:t>Variablen, Rechnen, Kommentare: </a:t>
-            </a:r>
-            <a:r>
-              <a:rPr lang="de-DE" b="1" dirty="0" err="1">
+        <p:spPr/>
+        <p:txBody>
+          <a:bodyPr/>
+          <a:lstStyle/>
+          <a:p>
+            <a:r>
+              <a:rPr lang="de-DE" dirty="0"/>
+              <a:t>Eine Funktion, die mit Pausen im Hintergrund ausgeführt werden kann, ist mit </a:t>
+            </a:r>
+            <a:r>
+              <a:rPr lang="de-DE" sz="2400" b="1" dirty="0" err="1">
                 <a:solidFill>
                   <a:schemeClr val="accent1">
                     <a:lumMod val="75000"/>
                   </a:schemeClr>
                 </a:solidFill>
               </a:rPr>
-              <a:t>var</a:t>
-            </a:r>
-            <a:r>
-              <a:rPr lang="de-DE" b="1" dirty="0">
+              <a:t>async</a:t>
+            </a:r>
+            <a:r>
+              <a:rPr lang="de-DE" dirty="0"/>
+              <a:t> versehen.</a:t>
+            </a:r>
+          </a:p>
+          <a:p>
+            <a:r>
+              <a:rPr lang="de-DE" dirty="0"/>
+              <a:t>Um von einer </a:t>
+            </a:r>
+            <a:r>
+              <a:rPr lang="de-DE" sz="2400" b="1" dirty="0" err="1">
                 <a:solidFill>
                   <a:schemeClr val="accent1">
                     <a:lumMod val="75000"/>
                   </a:schemeClr>
                 </a:solidFill>
               </a:rPr>
-              <a:t> </a:t>
-            </a:r>
-            <a:r>
-              <a:rPr lang="de-DE" b="1" i="1" dirty="0">
-                <a:solidFill>
-                  <a:schemeClr val="tx2"/>
-                </a:solidFill>
-              </a:rPr>
-              <a:t>x</a:t>
-            </a:r>
-            <a:r>
-              <a:rPr lang="de-DE" b="1" dirty="0">
+              <a:t>async</a:t>
+            </a:r>
+            <a:r>
+              <a:rPr lang="de-DE" dirty="0"/>
+              <a:t> Funktion ein Ergebnis zu bekommen, muss auf das Ergebnis mit </a:t>
+            </a:r>
+            <a:r>
+              <a:rPr lang="de-DE" sz="2400" b="1" dirty="0" err="1">
                 <a:solidFill>
                   <a:schemeClr val="accent1">
                     <a:lumMod val="75000"/>
                   </a:schemeClr>
                 </a:solidFill>
               </a:rPr>
-              <a:t> = </a:t>
-            </a:r>
-            <a:r>
-              <a:rPr lang="de-DE" dirty="0"/>
-              <a:t>2</a:t>
-            </a:r>
-            <a:r>
-              <a:rPr lang="de-DE" b="1" dirty="0">
+              <a:t>await</a:t>
+            </a:r>
+            <a:r>
+              <a:rPr lang="de-DE" dirty="0"/>
+              <a:t> gewartet werden.</a:t>
+            </a:r>
+          </a:p>
+          <a:p>
+            <a:endParaRPr lang="de-DE" dirty="0"/>
+          </a:p>
+          <a:p>
+            <a:r>
+              <a:rPr lang="de-DE" dirty="0"/>
+              <a:t>"Normale" Funktionen: </a:t>
+            </a:r>
+            <a:r>
+              <a:rPr lang="de-DE" sz="2400" b="1" dirty="0" err="1">
                 <a:solidFill>
                   <a:schemeClr val="accent1">
                     <a:lumMod val="75000"/>
                   </a:schemeClr>
                 </a:solidFill>
               </a:rPr>
-              <a:t>+</a:t>
-            </a:r>
-            <a:r>
-              <a:rPr lang="de-DE" dirty="0"/>
-              <a:t>3</a:t>
-            </a:r>
-            <a:r>
-              <a:rPr lang="de-DE" b="1" dirty="0">
+              <a:t>var</a:t>
+            </a:r>
+            <a:r>
+              <a:rPr lang="de-DE" dirty="0"/>
+              <a:t> </a:t>
+            </a:r>
+            <a:r>
+              <a:rPr lang="de-DE" sz="2400" b="1" i="1" dirty="0" err="1">
+                <a:solidFill>
+                  <a:schemeClr val="tx2"/>
+                </a:solidFill>
+              </a:rPr>
+              <a:t>ergebnis</a:t>
+            </a:r>
+            <a:r>
+              <a:rPr lang="de-DE" dirty="0"/>
+              <a:t> </a:t>
+            </a:r>
+            <a:r>
+              <a:rPr lang="de-DE" sz="2400" b="1" dirty="0">
                 <a:solidFill>
                   <a:schemeClr val="accent1">
                     <a:lumMod val="75000"/>
                   </a:schemeClr>
                 </a:solidFill>
               </a:rPr>
-              <a:t>*</a:t>
-            </a:r>
-            <a:r>
-              <a:rPr lang="de-DE" dirty="0"/>
-              <a:t>5</a:t>
-            </a:r>
-            <a:r>
-              <a:rPr lang="de-DE" b="1" dirty="0">
+              <a:t>=</a:t>
+            </a:r>
+            <a:r>
+              <a:rPr lang="de-DE" dirty="0"/>
+              <a:t> </a:t>
+            </a:r>
+            <a:r>
+              <a:rPr lang="de-DE" sz="2400" b="1" i="1" dirty="0" err="1">
+                <a:solidFill>
+                  <a:schemeClr val="tx2"/>
+                </a:solidFill>
+              </a:rPr>
+              <a:t>funktion</a:t>
+            </a:r>
+            <a:r>
+              <a:rPr lang="de-DE" sz="2400" b="1" dirty="0">
                 <a:solidFill>
                   <a:schemeClr val="accent1">
                     <a:lumMod val="75000"/>
                   </a:schemeClr>
                 </a:solidFill>
               </a:rPr>
-              <a:t>;   // sollte 17 sein</a:t>
-            </a:r>
-          </a:p>
-          <a:p>
-            <a:r>
-              <a:rPr lang="de-DE" dirty="0"/>
-              <a:t>Texte: </a:t>
-            </a:r>
-            <a:r>
-              <a:rPr lang="de-DE" b="1" dirty="0" err="1">
+              <a:t>();</a:t>
+            </a:r>
+          </a:p>
+          <a:p>
+            <a:r>
+              <a:rPr lang="de-DE" dirty="0"/>
+              <a:t>Hintergrund-Funktionen:  </a:t>
+            </a:r>
+            <a:r>
+              <a:rPr lang="de-DE" sz="2400" b="1" dirty="0" err="1">
                 <a:solidFill>
                   <a:schemeClr val="accent1">
                     <a:lumMod val="75000"/>
@@ -31940,136 +32589,66 @@
               <a:t>var</a:t>
             </a:r>
             <a:r>
-              <a:rPr lang="de-DE" b="1" dirty="0">
+              <a:rPr lang="de-DE" sz="2400" dirty="0"/>
+              <a:t> </a:t>
+            </a:r>
+            <a:r>
+              <a:rPr lang="de-DE" sz="2400" b="1" i="1" dirty="0" err="1">
+                <a:solidFill>
+                  <a:schemeClr val="tx2"/>
+                </a:solidFill>
+              </a:rPr>
+              <a:t>ergebnis</a:t>
+            </a:r>
+            <a:r>
+              <a:rPr lang="de-DE" sz="2400" dirty="0"/>
+              <a:t> </a:t>
+            </a:r>
+            <a:r>
+              <a:rPr lang="de-DE" sz="2400" b="1" dirty="0">
                 <a:solidFill>
                   <a:schemeClr val="accent1">
                     <a:lumMod val="75000"/>
                   </a:schemeClr>
                 </a:solidFill>
               </a:rPr>
-              <a:t> </a:t>
-            </a:r>
-            <a:r>
-              <a:rPr lang="de-DE" b="1" i="1" dirty="0">
-                <a:solidFill>
-                  <a:schemeClr val="tx2"/>
-                </a:solidFill>
-              </a:rPr>
-              <a:t>s</a:t>
-            </a:r>
-            <a:r>
-              <a:rPr lang="de-DE" b="1" dirty="0">
+              <a:t>= </a:t>
+            </a:r>
+            <a:r>
+              <a:rPr lang="de-DE" sz="2400" b="1" dirty="0" err="1">
                 <a:solidFill>
                   <a:schemeClr val="accent1">
                     <a:lumMod val="75000"/>
                   </a:schemeClr>
                 </a:solidFill>
               </a:rPr>
-              <a:t> = "</a:t>
-            </a:r>
-            <a:r>
-              <a:rPr lang="de-DE" dirty="0"/>
-              <a:t>x=</a:t>
-            </a:r>
-            <a:r>
-              <a:rPr lang="de-DE" b="1" dirty="0">
+              <a:t>await</a:t>
+            </a:r>
+            <a:r>
+              <a:rPr lang="de-DE" sz="2400" dirty="0"/>
+              <a:t> </a:t>
+            </a:r>
+            <a:r>
+              <a:rPr lang="de-DE" sz="2400" b="1" i="1" dirty="0" err="1">
+                <a:solidFill>
+                  <a:schemeClr val="tx2"/>
+                </a:solidFill>
+              </a:rPr>
+              <a:t>funktion</a:t>
+            </a:r>
+            <a:r>
+              <a:rPr lang="de-DE" sz="2400" b="1" dirty="0">
                 <a:solidFill>
                   <a:schemeClr val="accent1">
                     <a:lumMod val="75000"/>
                   </a:schemeClr>
                 </a:solidFill>
               </a:rPr>
-              <a:t>${</a:t>
-            </a:r>
-            <a:r>
-              <a:rPr lang="de-DE" b="1" i="1" dirty="0">
-                <a:solidFill>
-                  <a:schemeClr val="tx2"/>
-                </a:solidFill>
-              </a:rPr>
-              <a:t>x</a:t>
-            </a:r>
-            <a:r>
-              <a:rPr lang="de-DE" b="1" dirty="0">
-                <a:solidFill>
-                  <a:schemeClr val="accent1">
-                    <a:lumMod val="75000"/>
-                  </a:schemeClr>
-                </a:solidFill>
-              </a:rPr>
-              <a:t>}</a:t>
-            </a:r>
-            <a:r>
-              <a:rPr lang="de-DE" b="1" dirty="0">
-                <a:solidFill>
-                  <a:schemeClr val="accent3"/>
-                </a:solidFill>
-              </a:rPr>
-              <a:t>\n</a:t>
-            </a:r>
-            <a:r>
-              <a:rPr lang="de-DE" b="1" dirty="0">
-                <a:solidFill>
-                  <a:schemeClr val="accent1">
-                    <a:lumMod val="75000"/>
-                  </a:schemeClr>
-                </a:solidFill>
-              </a:rPr>
-              <a:t>" + "_"*</a:t>
-            </a:r>
-            <a:r>
-              <a:rPr lang="de-DE" dirty="0"/>
-              <a:t>10</a:t>
-            </a:r>
-            <a:r>
-              <a:rPr lang="de-DE" b="1" dirty="0">
-                <a:solidFill>
-                  <a:schemeClr val="accent1">
-                    <a:lumMod val="75000"/>
-                  </a:schemeClr>
-                </a:solidFill>
-              </a:rPr>
-              <a:t>;</a:t>
-            </a:r>
-          </a:p>
-          <a:p>
-            <a:r>
-              <a:rPr lang="de-DE" dirty="0"/>
-              <a:t>Schleifen/Wiederholungen: </a:t>
-            </a:r>
-            <a:r>
-              <a:rPr lang="de-DE" sz="2600" b="1" dirty="0" err="1">
-                <a:solidFill>
-                  <a:schemeClr val="accent1">
-                    <a:lumMod val="75000"/>
-                  </a:schemeClr>
-                </a:solidFill>
-              </a:rPr>
-              <a:t>for</a:t>
-            </a:r>
-            <a:r>
-              <a:rPr lang="de-DE" dirty="0">
-                <a:solidFill>
-                  <a:srgbClr val="F37637"/>
-                </a:solidFill>
-              </a:rPr>
-              <a:t> </a:t>
-            </a:r>
-            <a:r>
-              <a:rPr lang="de-DE" dirty="0"/>
-              <a:t>/ </a:t>
-            </a:r>
-            <a:r>
-              <a:rPr lang="de-DE" sz="2600" b="1" dirty="0" err="1">
-                <a:solidFill>
-                  <a:schemeClr val="accent1">
-                    <a:lumMod val="75000"/>
-                  </a:schemeClr>
-                </a:solidFill>
-              </a:rPr>
-              <a:t>while</a:t>
-            </a:r>
-            <a:endParaRPr lang="de-DE" sz="2600" b="1" dirty="0">
+              <a:t>();</a:t>
+            </a:r>
+          </a:p>
+          <a:p>
+            <a:endParaRPr lang="de-DE" sz="2400" b="1" dirty="0">
               <a:solidFill>
                 <a:schemeClr val="accent1">
                   <a:lumMod val="75000"/>
@@ -32077,425 +32656,17 @@
               </a:solidFill>
             </a:endParaRPr>
           </a:p>
-          <a:p>
-            <a:r>
-              <a:rPr lang="de-DE" dirty="0"/>
-              <a:t>Wahrheitswerte und Logik: </a:t>
-            </a:r>
-            <a:r>
-              <a:rPr lang="de-DE" b="1" dirty="0" err="1">
-                <a:solidFill>
-                  <a:schemeClr val="accent1">
-                    <a:lumMod val="75000"/>
-                  </a:schemeClr>
-                </a:solidFill>
-              </a:rPr>
-              <a:t>var</a:t>
-            </a:r>
-            <a:r>
-              <a:rPr lang="de-DE" dirty="0"/>
-              <a:t> </a:t>
-            </a:r>
-            <a:r>
-              <a:rPr lang="de-DE" b="1" i="1" dirty="0" err="1">
-                <a:solidFill>
-                  <a:schemeClr val="accent2"/>
-                </a:solidFill>
-              </a:rPr>
-              <a:t>ergebnis</a:t>
-            </a:r>
-            <a:r>
-              <a:rPr lang="de-DE" dirty="0"/>
-              <a:t> </a:t>
-            </a:r>
-            <a:r>
-              <a:rPr lang="de-DE" b="1" dirty="0">
-                <a:solidFill>
-                  <a:schemeClr val="accent1">
-                    <a:lumMod val="75000"/>
-                  </a:schemeClr>
-                </a:solidFill>
-              </a:rPr>
-              <a:t>=</a:t>
-            </a:r>
-            <a:r>
-              <a:rPr lang="de-DE" dirty="0"/>
-              <a:t> </a:t>
-            </a:r>
-            <a:r>
-              <a:rPr lang="de-DE" b="1" dirty="0" err="1">
-                <a:solidFill>
-                  <a:schemeClr val="accent1">
-                    <a:lumMod val="75000"/>
-                  </a:schemeClr>
-                </a:solidFill>
-              </a:rPr>
-              <a:t>true</a:t>
-            </a:r>
-            <a:r>
-              <a:rPr lang="de-DE" dirty="0"/>
-              <a:t> </a:t>
-            </a:r>
-            <a:r>
-              <a:rPr lang="de-DE" b="1" dirty="0">
-                <a:solidFill>
-                  <a:schemeClr val="accent1">
-                    <a:lumMod val="75000"/>
-                  </a:schemeClr>
-                </a:solidFill>
-              </a:rPr>
-              <a:t>and </a:t>
-            </a:r>
-            <a:r>
-              <a:rPr lang="de-DE" b="1" i="1" dirty="0">
-                <a:solidFill>
-                  <a:schemeClr val="accent2"/>
-                </a:solidFill>
-              </a:rPr>
-              <a:t>aussage</a:t>
-            </a:r>
-            <a:r>
-              <a:rPr lang="de-DE" b="1" dirty="0">
-                <a:solidFill>
-                  <a:schemeClr val="accent1">
-                    <a:lumMod val="75000"/>
-                  </a:schemeClr>
-                </a:solidFill>
-              </a:rPr>
-              <a:t>;</a:t>
-            </a:r>
-          </a:p>
-          <a:p>
-            <a:r>
-              <a:rPr lang="de-DE" dirty="0"/>
-              <a:t>Verzweigungen: </a:t>
-            </a:r>
-            <a:r>
-              <a:rPr lang="de-DE" sz="2600" b="1" dirty="0" err="1">
-                <a:solidFill>
-                  <a:schemeClr val="accent1">
-                    <a:lumMod val="75000"/>
-                  </a:schemeClr>
-                </a:solidFill>
-              </a:rPr>
-              <a:t>if</a:t>
-            </a:r>
-            <a:r>
-              <a:rPr lang="de-DE" dirty="0"/>
-              <a:t> / </a:t>
-            </a:r>
-            <a:r>
-              <a:rPr lang="de-DE" sz="2600" b="1" dirty="0" err="1">
-                <a:solidFill>
-                  <a:schemeClr val="accent1">
-                    <a:lumMod val="75000"/>
-                  </a:schemeClr>
-                </a:solidFill>
-              </a:rPr>
-              <a:t>else</a:t>
-            </a:r>
-            <a:r>
-              <a:rPr lang="de-DE" sz="2600" b="1" dirty="0">
-                <a:solidFill>
-                  <a:schemeClr val="accent1">
-                    <a:lumMod val="75000"/>
-                  </a:schemeClr>
-                </a:solidFill>
-              </a:rPr>
-              <a:t> </a:t>
-            </a:r>
-            <a:r>
-              <a:rPr lang="de-DE" sz="2600" b="1" dirty="0" err="1">
-                <a:solidFill>
-                  <a:schemeClr val="accent1">
-                    <a:lumMod val="75000"/>
-                  </a:schemeClr>
-                </a:solidFill>
-              </a:rPr>
-              <a:t>if</a:t>
-            </a:r>
-            <a:r>
-              <a:rPr lang="de-DE" sz="2600" b="1" dirty="0">
-                <a:solidFill>
-                  <a:schemeClr val="accent1">
-                    <a:lumMod val="75000"/>
-                  </a:schemeClr>
-                </a:solidFill>
-              </a:rPr>
-              <a:t> </a:t>
-            </a:r>
-            <a:r>
-              <a:rPr lang="de-DE" dirty="0"/>
-              <a:t>/ </a:t>
-            </a:r>
-            <a:r>
-              <a:rPr lang="de-DE" sz="2600" b="1" dirty="0" err="1">
-                <a:solidFill>
-                  <a:schemeClr val="accent1">
-                    <a:lumMod val="75000"/>
-                  </a:schemeClr>
-                </a:solidFill>
-              </a:rPr>
-              <a:t>else</a:t>
-            </a:r>
-            <a:endParaRPr lang="de-DE" sz="2600" b="1" dirty="0">
-              <a:solidFill>
-                <a:schemeClr val="accent1">
-                  <a:lumMod val="75000"/>
-                </a:schemeClr>
-              </a:solidFill>
-            </a:endParaRPr>
-          </a:p>
-          <a:p>
-            <a:r>
-              <a:rPr lang="de-DE" dirty="0"/>
-              <a:t>Listen / Maps: </a:t>
-            </a:r>
-            <a:r>
-              <a:rPr lang="de-DE" b="1" dirty="0">
-                <a:solidFill>
-                  <a:schemeClr val="accent1">
-                    <a:lumMod val="75000"/>
-                  </a:schemeClr>
-                </a:solidFill>
-              </a:rPr>
-              <a:t>[</a:t>
-            </a:r>
-            <a:r>
-              <a:rPr lang="de-DE" dirty="0"/>
-              <a:t>…</a:t>
-            </a:r>
-            <a:r>
-              <a:rPr lang="de-DE" b="1" dirty="0">
-                <a:solidFill>
-                  <a:schemeClr val="accent1">
-                    <a:lumMod val="75000"/>
-                  </a:schemeClr>
-                </a:solidFill>
-              </a:rPr>
-              <a:t>]</a:t>
-            </a:r>
-            <a:r>
-              <a:rPr lang="de-DE" dirty="0"/>
-              <a:t> / </a:t>
-            </a:r>
-            <a:r>
-              <a:rPr lang="de-DE" b="1" dirty="0">
-                <a:solidFill>
-                  <a:schemeClr val="accent1">
-                    <a:lumMod val="75000"/>
-                  </a:schemeClr>
-                </a:solidFill>
-              </a:rPr>
-              <a:t>{</a:t>
-            </a:r>
-            <a:r>
-              <a:rPr lang="de-DE" dirty="0"/>
-              <a:t>… </a:t>
-            </a:r>
-            <a:r>
-              <a:rPr lang="de-DE" b="1" dirty="0">
-                <a:solidFill>
-                  <a:schemeClr val="accent1">
-                    <a:lumMod val="75000"/>
-                  </a:schemeClr>
-                </a:solidFill>
-              </a:rPr>
-              <a:t>: </a:t>
-            </a:r>
-            <a:r>
-              <a:rPr lang="de-DE" dirty="0"/>
-              <a:t>…</a:t>
-            </a:r>
-            <a:r>
-              <a:rPr lang="de-DE" b="1" dirty="0">
-                <a:solidFill>
-                  <a:schemeClr val="accent1">
-                    <a:lumMod val="75000"/>
-                  </a:schemeClr>
-                </a:solidFill>
-              </a:rPr>
-              <a:t>}</a:t>
-            </a:r>
-          </a:p>
-          <a:p>
-            <a:r>
-              <a:rPr lang="de-DE" dirty="0"/>
-              <a:t>Methoden / Funktionen: </a:t>
-            </a:r>
-            <a:r>
-              <a:rPr lang="de-DE" sz="2800" b="1" i="1" dirty="0">
-                <a:solidFill>
-                  <a:schemeClr val="tx2"/>
-                </a:solidFill>
-              </a:rPr>
-              <a:t>typ</a:t>
-            </a:r>
-            <a:r>
-              <a:rPr lang="de-DE" sz="2800" b="1" dirty="0">
-                <a:solidFill>
-                  <a:schemeClr val="accent1">
-                    <a:lumMod val="75000"/>
-                  </a:schemeClr>
-                </a:solidFill>
-              </a:rPr>
-              <a:t> </a:t>
-            </a:r>
-            <a:r>
-              <a:rPr lang="de-DE" sz="2800" b="1" i="1" dirty="0" err="1">
-                <a:solidFill>
-                  <a:schemeClr val="tx2"/>
-                </a:solidFill>
-              </a:rPr>
-              <a:t>name</a:t>
-            </a:r>
-            <a:r>
-              <a:rPr lang="de-DE" sz="2800" b="1" dirty="0">
-                <a:solidFill>
-                  <a:schemeClr val="accent1">
-                    <a:lumMod val="75000"/>
-                  </a:schemeClr>
-                </a:solidFill>
-              </a:rPr>
-              <a:t>(</a:t>
-            </a:r>
-            <a:r>
-              <a:rPr lang="de-DE" sz="2800" b="1" dirty="0" err="1">
-                <a:solidFill>
-                  <a:schemeClr val="accent1">
-                    <a:lumMod val="75000"/>
-                  </a:schemeClr>
-                </a:solidFill>
-              </a:rPr>
-              <a:t>var</a:t>
-            </a:r>
-            <a:r>
-              <a:rPr lang="de-DE" sz="2800" b="1" dirty="0">
-                <a:solidFill>
-                  <a:schemeClr val="accent1">
-                    <a:lumMod val="75000"/>
-                  </a:schemeClr>
-                </a:solidFill>
-              </a:rPr>
-              <a:t> </a:t>
-            </a:r>
-            <a:r>
-              <a:rPr lang="de-DE" sz="2800" b="1" i="1" dirty="0">
-                <a:solidFill>
-                  <a:schemeClr val="tx2"/>
-                </a:solidFill>
-              </a:rPr>
-              <a:t>arg</a:t>
-            </a:r>
-            <a:r>
-              <a:rPr lang="de-DE" b="1" dirty="0">
-                <a:solidFill>
-                  <a:schemeClr val="accent1">
-                    <a:lumMod val="75000"/>
-                  </a:schemeClr>
-                </a:solidFill>
-              </a:rPr>
-              <a:t>, </a:t>
-            </a:r>
-            <a:r>
-              <a:rPr lang="de-DE" sz="2800" b="1" dirty="0" err="1">
-                <a:solidFill>
-                  <a:schemeClr val="accent1">
-                    <a:lumMod val="75000"/>
-                  </a:schemeClr>
-                </a:solidFill>
-              </a:rPr>
-              <a:t>var</a:t>
-            </a:r>
-            <a:r>
-              <a:rPr lang="de-DE" sz="2800" b="1" i="1" dirty="0">
-                <a:solidFill>
-                  <a:schemeClr val="tx2"/>
-                </a:solidFill>
-              </a:rPr>
-              <a:t> arg2</a:t>
-            </a:r>
-            <a:r>
-              <a:rPr lang="de-DE" sz="2800" b="1" dirty="0">
-                <a:solidFill>
-                  <a:schemeClr val="accent1">
-                    <a:lumMod val="75000"/>
-                  </a:schemeClr>
-                </a:solidFill>
-              </a:rPr>
-              <a:t>) {</a:t>
-            </a:r>
-            <a:r>
-              <a:rPr lang="de-DE" dirty="0"/>
-              <a:t> </a:t>
-            </a:r>
-            <a:r>
-              <a:rPr lang="de-DE" sz="2800" b="1" dirty="0" err="1">
-                <a:solidFill>
-                  <a:schemeClr val="accent1">
-                    <a:lumMod val="75000"/>
-                  </a:schemeClr>
-                </a:solidFill>
-              </a:rPr>
-              <a:t>return</a:t>
-            </a:r>
-            <a:r>
-              <a:rPr lang="de-DE" sz="2800" b="1" i="1" dirty="0">
-                <a:solidFill>
-                  <a:schemeClr val="tx2"/>
-                </a:solidFill>
-              </a:rPr>
-              <a:t> </a:t>
-            </a:r>
-            <a:r>
-              <a:rPr lang="de-DE" sz="2800" b="1" i="1" dirty="0" err="1">
-                <a:solidFill>
-                  <a:schemeClr val="tx2"/>
-                </a:solidFill>
-              </a:rPr>
-              <a:t>ergebnis</a:t>
-            </a:r>
-            <a:r>
-              <a:rPr lang="de-DE" sz="2800" b="1" dirty="0">
-                <a:solidFill>
-                  <a:schemeClr val="accent1">
-                    <a:lumMod val="75000"/>
-                  </a:schemeClr>
-                </a:solidFill>
-              </a:rPr>
-              <a:t>;</a:t>
-            </a:r>
-            <a:r>
-              <a:rPr lang="de-DE" sz="2800" b="1" i="1" dirty="0">
-                <a:solidFill>
-                  <a:schemeClr val="tx2"/>
-                </a:solidFill>
-              </a:rPr>
-              <a:t> </a:t>
-            </a:r>
-            <a:r>
-              <a:rPr lang="de-DE" sz="2800" b="1" dirty="0">
-                <a:solidFill>
-                  <a:schemeClr val="accent1">
-                    <a:lumMod val="75000"/>
-                  </a:schemeClr>
-                </a:solidFill>
-              </a:rPr>
-              <a:t>}</a:t>
-            </a:r>
-            <a:endParaRPr lang="de-DE" b="1" dirty="0">
-              <a:solidFill>
-                <a:schemeClr val="accent1">
-                  <a:lumMod val="75000"/>
-                </a:schemeClr>
-              </a:solidFill>
-            </a:endParaRPr>
-          </a:p>
-        </p:txBody>
-      </p:sp>
-      <p:sp>
-        <p:nvSpPr>
-          <p:cNvPr id="2" name="Datumsplatzhalter 1"/>
+        </p:txBody>
+      </p:sp>
+      <p:sp>
+        <p:nvSpPr>
+          <p:cNvPr id="4" name="Datumsplatzhalter 3">
+            <a:extLst>
+              <a:ext uri="{FF2B5EF4-FFF2-40B4-BE49-F238E27FC236}">
+                <a16:creationId xmlns:a16="http://schemas.microsoft.com/office/drawing/2014/main" id="{4693A968-0D25-4B10-85E4-0D3AAE89FB29}"/>
+              </a:ext>
+            </a:extLst>
+          </p:cNvPr>
           <p:cNvSpPr>
             <a:spLocks noGrp="1"/>
           </p:cNvSpPr>
@@ -32508,9 +32679,9 @@
           <a:bodyPr/>
           <a:lstStyle/>
           <a:p>
-            <a:fld id="{E1EB8521-16D9-4071-8EFA-C4195C4897B7}" type="datetime1">
+            <a:fld id="{9DE610D0-EC54-4B8A-9B9F-60F36FB3B089}" type="datetime1">
               <a:rPr lang="de-DE" smtClean="0"/>
-              <a:t>30.09.2021</a:t>
+              <a:t>07.10.2021</a:t>
             </a:fld>
             <a:endParaRPr lang="de-DE"/>
           </a:p>
@@ -32518,7 +32689,13 @@
       </p:sp>
       <p:sp>
         <p:nvSpPr>
-          <p:cNvPr id="3" name="Fußzeilenplatzhalter 2"/>
+          <p:cNvPr id="5" name="Fußzeilenplatzhalter 4">
+            <a:extLst>
+              <a:ext uri="{FF2B5EF4-FFF2-40B4-BE49-F238E27FC236}">
+                <a16:creationId xmlns:a16="http://schemas.microsoft.com/office/drawing/2014/main" id="{504FD0F8-8019-41C1-9845-187D32895B64}"/>
+              </a:ext>
+            </a:extLst>
+          </p:cNvPr>
           <p:cNvSpPr>
             <a:spLocks noGrp="1"/>
           </p:cNvSpPr>
@@ -32540,7 +32717,13 @@
       </p:sp>
       <p:sp>
         <p:nvSpPr>
-          <p:cNvPr id="6" name="Foliennummernplatzhalter 5"/>
+          <p:cNvPr id="6" name="Foliennummernplatzhalter 5">
+            <a:extLst>
+              <a:ext uri="{FF2B5EF4-FFF2-40B4-BE49-F238E27FC236}">
+                <a16:creationId xmlns:a16="http://schemas.microsoft.com/office/drawing/2014/main" id="{9AFE2190-C2BD-4BED-B296-12901558E044}"/>
+              </a:ext>
+            </a:extLst>
+          </p:cNvPr>
           <p:cNvSpPr>
             <a:spLocks noGrp="1"/>
           </p:cNvSpPr>
@@ -32564,7 +32747,7 @@
     </p:spTree>
     <p:extLst>
       <p:ext uri="{BB962C8B-B14F-4D97-AF65-F5344CB8AC3E}">
-        <p14:creationId xmlns:p14="http://schemas.microsoft.com/office/powerpoint/2010/main" val="2637983416"/>
+        <p14:creationId xmlns:p14="http://schemas.microsoft.com/office/powerpoint/2010/main" val="3066716367"/>
       </p:ext>
     </p:extLst>
   </p:cSld>
@@ -32591,9 +32774,45 @@
           <a:chExt cx="0" cy="0"/>
         </a:xfrm>
       </p:grpSpPr>
-      <p:sp>
-        <p:nvSpPr>
-          <p:cNvPr id="4" name="Titel 3"/>
+      <p:pic>
+        <p:nvPicPr>
+          <p:cNvPr id="14" name="Grafik 13">
+            <a:extLst>
+              <a:ext uri="{FF2B5EF4-FFF2-40B4-BE49-F238E27FC236}">
+                <a16:creationId xmlns:a16="http://schemas.microsoft.com/office/drawing/2014/main" id="{A7E7F732-9760-44D7-B5FD-A51930B8E130}"/>
+              </a:ext>
+            </a:extLst>
+          </p:cNvPr>
+          <p:cNvPicPr>
+            <a:picLocks noChangeAspect="1"/>
+          </p:cNvPicPr>
+          <p:nvPr/>
+        </p:nvPicPr>
+        <p:blipFill>
+          <a:blip r:embed="rId3"/>
+          <a:stretch>
+            <a:fillRect/>
+          </a:stretch>
+        </p:blipFill>
+        <p:spPr>
+          <a:xfrm>
+            <a:off x="838200" y="1520825"/>
+            <a:ext cx="7927917" cy="4645025"/>
+          </a:xfrm>
+          <a:prstGeom prst="rect">
+            <a:avLst/>
+          </a:prstGeom>
+        </p:spPr>
+      </p:pic>
+      <p:sp>
+        <p:nvSpPr>
+          <p:cNvPr id="2" name="Titel 1">
+            <a:extLst>
+              <a:ext uri="{FF2B5EF4-FFF2-40B4-BE49-F238E27FC236}">
+                <a16:creationId xmlns:a16="http://schemas.microsoft.com/office/drawing/2014/main" id="{9B031CD1-14CB-47BF-92F5-F3E4BD50A5EF}"/>
+              </a:ext>
+            </a:extLst>
+          </p:cNvPr>
           <p:cNvSpPr>
             <a:spLocks noGrp="1"/>
           </p:cNvSpPr>
@@ -32607,15 +32826,30 @@
           <a:lstStyle/>
           <a:p>
             <a:r>
-              <a:rPr lang="de-DE" dirty="0"/>
-              <a:t>Fragen</a:t>
-            </a:r>
-          </a:p>
-        </p:txBody>
-      </p:sp>
-      <p:sp>
-        <p:nvSpPr>
-          <p:cNvPr id="2" name="Datumsplatzhalter 1"/>
+              <a:rPr lang="de-DE" dirty="0" err="1"/>
+              <a:t>Async</a:t>
+            </a:r>
+            <a:r>
+              <a:rPr lang="de-DE" dirty="0"/>
+              <a:t>/</a:t>
+            </a:r>
+            <a:r>
+              <a:rPr lang="de-DE" dirty="0" err="1"/>
+              <a:t>await</a:t>
+            </a:r>
+            <a:endParaRPr lang="de-DE" dirty="0"/>
+          </a:p>
+        </p:txBody>
+      </p:sp>
+      <p:sp>
+        <p:nvSpPr>
+          <p:cNvPr id="4" name="Datumsplatzhalter 3">
+            <a:extLst>
+              <a:ext uri="{FF2B5EF4-FFF2-40B4-BE49-F238E27FC236}">
+                <a16:creationId xmlns:a16="http://schemas.microsoft.com/office/drawing/2014/main" id="{4693A968-0D25-4B10-85E4-0D3AAE89FB29}"/>
+              </a:ext>
+            </a:extLst>
+          </p:cNvPr>
           <p:cNvSpPr>
             <a:spLocks noGrp="1"/>
           </p:cNvSpPr>
@@ -32628,9 +32862,9 @@
           <a:bodyPr/>
           <a:lstStyle/>
           <a:p>
-            <a:fld id="{4C474D4E-6F2D-414E-9CFE-52E54FFAF53B}" type="datetime1">
+            <a:fld id="{9DE610D0-EC54-4B8A-9B9F-60F36FB3B089}" type="datetime1">
               <a:rPr lang="de-DE" smtClean="0"/>
-              <a:t>30.09.2021</a:t>
+              <a:t>07.10.2021</a:t>
             </a:fld>
             <a:endParaRPr lang="de-DE"/>
           </a:p>
@@ -32638,7 +32872,13 @@
       </p:sp>
       <p:sp>
         <p:nvSpPr>
-          <p:cNvPr id="3" name="Fußzeilenplatzhalter 2"/>
+          <p:cNvPr id="5" name="Fußzeilenplatzhalter 4">
+            <a:extLst>
+              <a:ext uri="{FF2B5EF4-FFF2-40B4-BE49-F238E27FC236}">
+                <a16:creationId xmlns:a16="http://schemas.microsoft.com/office/drawing/2014/main" id="{504FD0F8-8019-41C1-9845-187D32895B64}"/>
+              </a:ext>
+            </a:extLst>
+          </p:cNvPr>
           <p:cNvSpPr>
             <a:spLocks noGrp="1"/>
           </p:cNvSpPr>
@@ -32660,7 +32900,13 @@
       </p:sp>
       <p:sp>
         <p:nvSpPr>
-          <p:cNvPr id="6" name="Foliennummernplatzhalter 5"/>
+          <p:cNvPr id="6" name="Foliennummernplatzhalter 5">
+            <a:extLst>
+              <a:ext uri="{FF2B5EF4-FFF2-40B4-BE49-F238E27FC236}">
+                <a16:creationId xmlns:a16="http://schemas.microsoft.com/office/drawing/2014/main" id="{9AFE2190-C2BD-4BED-B296-12901558E044}"/>
+              </a:ext>
+            </a:extLst>
+          </p:cNvPr>
           <p:cNvSpPr>
             <a:spLocks noGrp="1"/>
           </p:cNvSpPr>
@@ -32681,10 +32927,222 @@
           </a:p>
         </p:txBody>
       </p:sp>
+      <p:sp>
+        <p:nvSpPr>
+          <p:cNvPr id="8" name="Geschweifte Klammer rechts 7">
+            <a:extLst>
+              <a:ext uri="{FF2B5EF4-FFF2-40B4-BE49-F238E27FC236}">
+                <a16:creationId xmlns:a16="http://schemas.microsoft.com/office/drawing/2014/main" id="{7F789E79-0918-445A-89B2-E262E94A3154}"/>
+              </a:ext>
+            </a:extLst>
+          </p:cNvPr>
+          <p:cNvSpPr/>
+          <p:nvPr/>
+        </p:nvSpPr>
+        <p:spPr>
+          <a:xfrm>
+            <a:off x="4899693" y="1532347"/>
+            <a:ext cx="276447" cy="871501"/>
+          </a:xfrm>
+          <a:prstGeom prst="rightBrace">
+            <a:avLst/>
+          </a:prstGeom>
+          <a:ln w="28575"/>
+        </p:spPr>
+        <p:style>
+          <a:lnRef idx="1">
+            <a:schemeClr val="accent1"/>
+          </a:lnRef>
+          <a:fillRef idx="0">
+            <a:schemeClr val="accent1"/>
+          </a:fillRef>
+          <a:effectRef idx="0">
+            <a:schemeClr val="accent1"/>
+          </a:effectRef>
+          <a:fontRef idx="minor">
+            <a:schemeClr val="tx1"/>
+          </a:fontRef>
+        </p:style>
+        <p:txBody>
+          <a:bodyPr rtlCol="0" anchor="ctr"/>
+          <a:lstStyle/>
+          <a:p>
+            <a:pPr algn="ctr"/>
+            <a:endParaRPr lang="de-DE"/>
+          </a:p>
+        </p:txBody>
+      </p:sp>
+      <p:sp>
+        <p:nvSpPr>
+          <p:cNvPr id="9" name="Textfeld 8">
+            <a:extLst>
+              <a:ext uri="{FF2B5EF4-FFF2-40B4-BE49-F238E27FC236}">
+                <a16:creationId xmlns:a16="http://schemas.microsoft.com/office/drawing/2014/main" id="{6FDBEC44-77E0-4590-A68A-767B033C420A}"/>
+              </a:ext>
+            </a:extLst>
+          </p:cNvPr>
+          <p:cNvSpPr txBox="1"/>
+          <p:nvPr/>
+        </p:nvSpPr>
+        <p:spPr>
+          <a:xfrm>
+            <a:off x="5271832" y="1828804"/>
+            <a:ext cx="1648336" cy="369332"/>
+          </a:xfrm>
+          <a:prstGeom prst="rect">
+            <a:avLst/>
+          </a:prstGeom>
+          <a:noFill/>
+        </p:spPr>
+        <p:txBody>
+          <a:bodyPr wrap="none" rtlCol="0">
+            <a:spAutoFit/>
+          </a:bodyPr>
+          <a:lstStyle/>
+          <a:p>
+            <a:r>
+              <a:rPr lang="de-DE" dirty="0"/>
+              <a:t>Kennt ihr schon</a:t>
+            </a:r>
+          </a:p>
+        </p:txBody>
+      </p:sp>
+      <p:sp>
+        <p:nvSpPr>
+          <p:cNvPr id="10" name="Geschweifte Klammer rechts 9">
+            <a:extLst>
+              <a:ext uri="{FF2B5EF4-FFF2-40B4-BE49-F238E27FC236}">
+                <a16:creationId xmlns:a16="http://schemas.microsoft.com/office/drawing/2014/main" id="{19163675-78DE-4AC1-ADCE-BA4EE3E88531}"/>
+              </a:ext>
+            </a:extLst>
+          </p:cNvPr>
+          <p:cNvSpPr/>
+          <p:nvPr/>
+        </p:nvSpPr>
+        <p:spPr>
+          <a:xfrm>
+            <a:off x="7432447" y="2611169"/>
+            <a:ext cx="276447" cy="1738239"/>
+          </a:xfrm>
+          <a:prstGeom prst="rightBrace">
+            <a:avLst/>
+          </a:prstGeom>
+          <a:ln w="28575"/>
+        </p:spPr>
+        <p:style>
+          <a:lnRef idx="1">
+            <a:schemeClr val="accent1"/>
+          </a:lnRef>
+          <a:fillRef idx="0">
+            <a:schemeClr val="accent1"/>
+          </a:fillRef>
+          <a:effectRef idx="0">
+            <a:schemeClr val="accent1"/>
+          </a:effectRef>
+          <a:fontRef idx="minor">
+            <a:schemeClr val="tx1"/>
+          </a:fontRef>
+        </p:style>
+        <p:txBody>
+          <a:bodyPr rtlCol="0" anchor="ctr"/>
+          <a:lstStyle/>
+          <a:p>
+            <a:pPr algn="ctr"/>
+            <a:endParaRPr lang="de-DE"/>
+          </a:p>
+        </p:txBody>
+      </p:sp>
+      <p:sp>
+        <p:nvSpPr>
+          <p:cNvPr id="11" name="Textfeld 10">
+            <a:extLst>
+              <a:ext uri="{FF2B5EF4-FFF2-40B4-BE49-F238E27FC236}">
+                <a16:creationId xmlns:a16="http://schemas.microsoft.com/office/drawing/2014/main" id="{05422856-4C8D-407D-B4D8-BA8E7A749F0E}"/>
+              </a:ext>
+            </a:extLst>
+          </p:cNvPr>
+          <p:cNvSpPr txBox="1"/>
+          <p:nvPr/>
+        </p:nvSpPr>
+        <p:spPr>
+          <a:xfrm>
+            <a:off x="7708894" y="3295622"/>
+            <a:ext cx="2778453" cy="369332"/>
+          </a:xfrm>
+          <a:prstGeom prst="rect">
+            <a:avLst/>
+          </a:prstGeom>
+          <a:noFill/>
+        </p:spPr>
+        <p:txBody>
+          <a:bodyPr wrap="none" rtlCol="0">
+            <a:spAutoFit/>
+          </a:bodyPr>
+          <a:lstStyle/>
+          <a:p>
+            <a:r>
+              <a:rPr lang="de-DE" dirty="0"/>
+              <a:t>Kommt aus einer Bibliothek</a:t>
+            </a:r>
+          </a:p>
+        </p:txBody>
+      </p:sp>
+      <p:sp>
+        <p:nvSpPr>
+          <p:cNvPr id="12" name="Rechteck 11">
+            <a:extLst>
+              <a:ext uri="{FF2B5EF4-FFF2-40B4-BE49-F238E27FC236}">
+                <a16:creationId xmlns:a16="http://schemas.microsoft.com/office/drawing/2014/main" id="{19DCDAD3-BF78-43E2-8231-06ED59F6CB3D}"/>
+              </a:ext>
+            </a:extLst>
+          </p:cNvPr>
+          <p:cNvSpPr/>
+          <p:nvPr/>
+        </p:nvSpPr>
+        <p:spPr>
+          <a:xfrm>
+            <a:off x="2349796" y="5167053"/>
+            <a:ext cx="1935125" cy="297712"/>
+          </a:xfrm>
+          <a:prstGeom prst="rect">
+            <a:avLst/>
+          </a:prstGeom>
+          <a:noFill/>
+          <a:ln w="28575">
+            <a:solidFill>
+              <a:schemeClr val="accent1"/>
+            </a:solidFill>
+          </a:ln>
+        </p:spPr>
+        <p:style>
+          <a:lnRef idx="2">
+            <a:schemeClr val="accent1">
+              <a:shade val="50000"/>
+            </a:schemeClr>
+          </a:lnRef>
+          <a:fillRef idx="1">
+            <a:schemeClr val="accent1"/>
+          </a:fillRef>
+          <a:effectRef idx="0">
+            <a:schemeClr val="accent1"/>
+          </a:effectRef>
+          <a:fontRef idx="minor">
+            <a:schemeClr val="lt1"/>
+          </a:fontRef>
+        </p:style>
+        <p:txBody>
+          <a:bodyPr rtlCol="0" anchor="ctr"/>
+          <a:lstStyle/>
+          <a:p>
+            <a:pPr algn="ctr"/>
+            <a:endParaRPr lang="de-DE"/>
+          </a:p>
+        </p:txBody>
+      </p:sp>
     </p:spTree>
     <p:extLst>
       <p:ext uri="{BB962C8B-B14F-4D97-AF65-F5344CB8AC3E}">
-        <p14:creationId xmlns:p14="http://schemas.microsoft.com/office/powerpoint/2010/main" val="3029113584"/>
+        <p14:creationId xmlns:p14="http://schemas.microsoft.com/office/powerpoint/2010/main" val="1383890414"/>
       </p:ext>
     </p:extLst>
   </p:cSld>
@@ -32889,7 +33347,7 @@
           <a:p>
             <a:fld id="{26CE6631-06CC-4914-99D2-9B9B06729A35}" type="datetime1">
               <a:rPr lang="de-DE" smtClean="0"/>
-              <a:t>30.09.2021</a:t>
+              <a:t>07.10.2021</a:t>
             </a:fld>
             <a:endParaRPr lang="de-DE"/>
           </a:p>
@@ -32944,6 +33402,1618 @@
     <p:extLst>
       <p:ext uri="{BB962C8B-B14F-4D97-AF65-F5344CB8AC3E}">
         <p14:creationId xmlns:p14="http://schemas.microsoft.com/office/powerpoint/2010/main" val="2041278893"/>
+      </p:ext>
+    </p:extLst>
+  </p:cSld>
+  <p:clrMapOvr>
+    <a:masterClrMapping/>
+  </p:clrMapOvr>
+</p:sld>
+</file>
+
+<file path=ppt/slides/slide70.xml><?xml version="1.0" encoding="utf-8"?>
+<p:sld xmlns:a="http://schemas.openxmlformats.org/drawingml/2006/main" xmlns:r="http://schemas.openxmlformats.org/officeDocument/2006/relationships" xmlns:p="http://schemas.openxmlformats.org/presentationml/2006/main">
+  <p:cSld>
+    <p:spTree>
+      <p:nvGrpSpPr>
+        <p:cNvPr id="1" name=""/>
+        <p:cNvGrpSpPr/>
+        <p:nvPr/>
+      </p:nvGrpSpPr>
+      <p:grpSpPr>
+        <a:xfrm>
+          <a:off x="0" y="0"/>
+          <a:ext cx="0" cy="0"/>
+          <a:chOff x="0" y="0"/>
+          <a:chExt cx="0" cy="0"/>
+        </a:xfrm>
+      </p:grpSpPr>
+      <p:sp>
+        <p:nvSpPr>
+          <p:cNvPr id="2" name="Titel 1">
+            <a:extLst>
+              <a:ext uri="{FF2B5EF4-FFF2-40B4-BE49-F238E27FC236}">
+                <a16:creationId xmlns:a16="http://schemas.microsoft.com/office/drawing/2014/main" id="{876A07A1-E0E9-4589-8ACF-29A351480188}"/>
+              </a:ext>
+            </a:extLst>
+          </p:cNvPr>
+          <p:cNvSpPr>
+            <a:spLocks noGrp="1"/>
+          </p:cNvSpPr>
+          <p:nvPr>
+            <p:ph type="title"/>
+          </p:nvPr>
+        </p:nvSpPr>
+        <p:spPr/>
+        <p:txBody>
+          <a:bodyPr/>
+          <a:lstStyle/>
+          <a:p>
+            <a:r>
+              <a:rPr lang="de-DE" dirty="0"/>
+              <a:t>Ausblick</a:t>
+            </a:r>
+          </a:p>
+        </p:txBody>
+      </p:sp>
+      <p:sp>
+        <p:nvSpPr>
+          <p:cNvPr id="3" name="Inhaltsplatzhalter 2">
+            <a:extLst>
+              <a:ext uri="{FF2B5EF4-FFF2-40B4-BE49-F238E27FC236}">
+                <a16:creationId xmlns:a16="http://schemas.microsoft.com/office/drawing/2014/main" id="{54D5B4F1-C7F7-4FC7-AF38-ADA12EB35630}"/>
+              </a:ext>
+            </a:extLst>
+          </p:cNvPr>
+          <p:cNvSpPr>
+            <a:spLocks noGrp="1"/>
+          </p:cNvSpPr>
+          <p:nvPr>
+            <p:ph idx="1"/>
+          </p:nvPr>
+        </p:nvSpPr>
+        <p:spPr/>
+        <p:txBody>
+          <a:bodyPr/>
+          <a:lstStyle/>
+          <a:p>
+            <a:r>
+              <a:rPr lang="de-DE" dirty="0"/>
+              <a:t>Uns fehlen noch ein paar Konzepte, bevor wir loslegen können</a:t>
+            </a:r>
+          </a:p>
+          <a:p>
+            <a:pPr lvl="1"/>
+            <a:r>
+              <a:rPr lang="de-DE" dirty="0"/>
+              <a:t>Klassen und Objekte</a:t>
+            </a:r>
+          </a:p>
+        </p:txBody>
+      </p:sp>
+      <p:sp>
+        <p:nvSpPr>
+          <p:cNvPr id="4" name="Datumsplatzhalter 3">
+            <a:extLst>
+              <a:ext uri="{FF2B5EF4-FFF2-40B4-BE49-F238E27FC236}">
+                <a16:creationId xmlns:a16="http://schemas.microsoft.com/office/drawing/2014/main" id="{D08AE6C1-43B2-4E4C-AD04-92D62419D53B}"/>
+              </a:ext>
+            </a:extLst>
+          </p:cNvPr>
+          <p:cNvSpPr>
+            <a:spLocks noGrp="1"/>
+          </p:cNvSpPr>
+          <p:nvPr>
+            <p:ph type="dt" sz="half" idx="10"/>
+          </p:nvPr>
+        </p:nvSpPr>
+        <p:spPr/>
+        <p:txBody>
+          <a:bodyPr/>
+          <a:lstStyle/>
+          <a:p>
+            <a:fld id="{795D6F22-C3DB-4C50-AB93-27DFECB907EB}" type="datetime1">
+              <a:rPr lang="de-DE" smtClean="0"/>
+              <a:t>07.10.2021</a:t>
+            </a:fld>
+            <a:endParaRPr lang="de-DE"/>
+          </a:p>
+        </p:txBody>
+      </p:sp>
+      <p:sp>
+        <p:nvSpPr>
+          <p:cNvPr id="5" name="Fußzeilenplatzhalter 4">
+            <a:extLst>
+              <a:ext uri="{FF2B5EF4-FFF2-40B4-BE49-F238E27FC236}">
+                <a16:creationId xmlns:a16="http://schemas.microsoft.com/office/drawing/2014/main" id="{B1838CD6-A1DC-48FA-87DD-26192AB85596}"/>
+              </a:ext>
+            </a:extLst>
+          </p:cNvPr>
+          <p:cNvSpPr>
+            <a:spLocks noGrp="1"/>
+          </p:cNvSpPr>
+          <p:nvPr>
+            <p:ph type="ftr" sz="quarter" idx="11"/>
+          </p:nvPr>
+        </p:nvSpPr>
+        <p:spPr/>
+        <p:txBody>
+          <a:bodyPr/>
+          <a:lstStyle/>
+          <a:p>
+            <a:r>
+              <a:rPr lang="de-DE"/>
+              <a:t>Dart - Programmiersprache für Smartphones</a:t>
+            </a:r>
+          </a:p>
+        </p:txBody>
+      </p:sp>
+      <p:sp>
+        <p:nvSpPr>
+          <p:cNvPr id="6" name="Foliennummernplatzhalter 5">
+            <a:extLst>
+              <a:ext uri="{FF2B5EF4-FFF2-40B4-BE49-F238E27FC236}">
+                <a16:creationId xmlns:a16="http://schemas.microsoft.com/office/drawing/2014/main" id="{659EB146-4662-42BB-9E38-22A96479AA6D}"/>
+              </a:ext>
+            </a:extLst>
+          </p:cNvPr>
+          <p:cNvSpPr>
+            <a:spLocks noGrp="1"/>
+          </p:cNvSpPr>
+          <p:nvPr>
+            <p:ph type="sldNum" sz="quarter" idx="12"/>
+          </p:nvPr>
+        </p:nvSpPr>
+        <p:spPr/>
+        <p:txBody>
+          <a:bodyPr/>
+          <a:lstStyle/>
+          <a:p>
+            <a:fld id="{3A1F27E2-D58A-4028-9FF2-B12D897F257E}" type="slidenum">
+              <a:rPr lang="de-DE" smtClean="0"/>
+              <a:t>70</a:t>
+            </a:fld>
+            <a:endParaRPr lang="de-DE"/>
+          </a:p>
+        </p:txBody>
+      </p:sp>
+    </p:spTree>
+    <p:extLst>
+      <p:ext uri="{BB962C8B-B14F-4D97-AF65-F5344CB8AC3E}">
+        <p14:creationId xmlns:p14="http://schemas.microsoft.com/office/powerpoint/2010/main" val="821667791"/>
+      </p:ext>
+    </p:extLst>
+  </p:cSld>
+  <p:clrMapOvr>
+    <a:masterClrMapping/>
+  </p:clrMapOvr>
+</p:sld>
+</file>
+
+<file path=ppt/slides/slide71.xml><?xml version="1.0" encoding="utf-8"?>
+<p:sld xmlns:a="http://schemas.openxmlformats.org/drawingml/2006/main" xmlns:r="http://schemas.openxmlformats.org/officeDocument/2006/relationships" xmlns:p="http://schemas.openxmlformats.org/presentationml/2006/main">
+  <p:cSld>
+    <p:spTree>
+      <p:nvGrpSpPr>
+        <p:cNvPr id="1" name=""/>
+        <p:cNvGrpSpPr/>
+        <p:nvPr/>
+      </p:nvGrpSpPr>
+      <p:grpSpPr>
+        <a:xfrm>
+          <a:off x="0" y="0"/>
+          <a:ext cx="0" cy="0"/>
+          <a:chOff x="0" y="0"/>
+          <a:chExt cx="0" cy="0"/>
+        </a:xfrm>
+      </p:grpSpPr>
+      <p:sp>
+        <p:nvSpPr>
+          <p:cNvPr id="4" name="Titel 3"/>
+          <p:cNvSpPr>
+            <a:spLocks noGrp="1"/>
+          </p:cNvSpPr>
+          <p:nvPr>
+            <p:ph type="title"/>
+          </p:nvPr>
+        </p:nvSpPr>
+        <p:spPr/>
+        <p:txBody>
+          <a:bodyPr/>
+          <a:lstStyle/>
+          <a:p>
+            <a:r>
+              <a:rPr lang="de-DE" dirty="0"/>
+              <a:t>Zusammenfassung</a:t>
+            </a:r>
+          </a:p>
+        </p:txBody>
+      </p:sp>
+      <p:sp>
+        <p:nvSpPr>
+          <p:cNvPr id="5" name="Inhaltsplatzhalter 4"/>
+          <p:cNvSpPr>
+            <a:spLocks noGrp="1"/>
+          </p:cNvSpPr>
+          <p:nvPr>
+            <p:ph idx="1"/>
+          </p:nvPr>
+        </p:nvSpPr>
+        <p:spPr>
+          <a:xfrm>
+            <a:off x="838200" y="1520825"/>
+            <a:ext cx="11099104" cy="4645025"/>
+          </a:xfrm>
+        </p:spPr>
+        <p:txBody>
+          <a:bodyPr>
+            <a:normAutofit/>
+          </a:bodyPr>
+          <a:lstStyle/>
+          <a:p>
+            <a:r>
+              <a:rPr lang="de-DE" dirty="0"/>
+              <a:t>Dart ist eine kostenlose General Purpose Hochsprache</a:t>
+            </a:r>
+          </a:p>
+          <a:p>
+            <a:r>
+              <a:rPr lang="de-DE" dirty="0"/>
+              <a:t>Programmiert wird in reinem Text, die IDE übernimmt den Rest</a:t>
+            </a:r>
+          </a:p>
+          <a:p>
+            <a:r>
+              <a:rPr lang="de-DE" dirty="0"/>
+              <a:t>Variablen, Rechnen, Kommentare: </a:t>
+            </a:r>
+            <a:r>
+              <a:rPr lang="de-DE" b="1" dirty="0" err="1">
+                <a:solidFill>
+                  <a:schemeClr val="accent1">
+                    <a:lumMod val="75000"/>
+                  </a:schemeClr>
+                </a:solidFill>
+              </a:rPr>
+              <a:t>var</a:t>
+            </a:r>
+            <a:r>
+              <a:rPr lang="de-DE" b="1" dirty="0">
+                <a:solidFill>
+                  <a:schemeClr val="accent1">
+                    <a:lumMod val="75000"/>
+                  </a:schemeClr>
+                </a:solidFill>
+              </a:rPr>
+              <a:t> </a:t>
+            </a:r>
+            <a:r>
+              <a:rPr lang="de-DE" b="1" i="1" dirty="0">
+                <a:solidFill>
+                  <a:schemeClr val="tx2"/>
+                </a:solidFill>
+              </a:rPr>
+              <a:t>x</a:t>
+            </a:r>
+            <a:r>
+              <a:rPr lang="de-DE" b="1" dirty="0">
+                <a:solidFill>
+                  <a:schemeClr val="accent1">
+                    <a:lumMod val="75000"/>
+                  </a:schemeClr>
+                </a:solidFill>
+              </a:rPr>
+              <a:t> = </a:t>
+            </a:r>
+            <a:r>
+              <a:rPr lang="de-DE" dirty="0"/>
+              <a:t>2</a:t>
+            </a:r>
+            <a:r>
+              <a:rPr lang="de-DE" b="1" dirty="0">
+                <a:solidFill>
+                  <a:schemeClr val="accent1">
+                    <a:lumMod val="75000"/>
+                  </a:schemeClr>
+                </a:solidFill>
+              </a:rPr>
+              <a:t>+</a:t>
+            </a:r>
+            <a:r>
+              <a:rPr lang="de-DE" dirty="0"/>
+              <a:t>3</a:t>
+            </a:r>
+            <a:r>
+              <a:rPr lang="de-DE" b="1" dirty="0">
+                <a:solidFill>
+                  <a:schemeClr val="accent1">
+                    <a:lumMod val="75000"/>
+                  </a:schemeClr>
+                </a:solidFill>
+              </a:rPr>
+              <a:t>*</a:t>
+            </a:r>
+            <a:r>
+              <a:rPr lang="de-DE" dirty="0"/>
+              <a:t>5</a:t>
+            </a:r>
+            <a:r>
+              <a:rPr lang="de-DE" b="1" dirty="0">
+                <a:solidFill>
+                  <a:schemeClr val="accent1">
+                    <a:lumMod val="75000"/>
+                  </a:schemeClr>
+                </a:solidFill>
+              </a:rPr>
+              <a:t>;   </a:t>
+            </a:r>
+            <a:r>
+              <a:rPr lang="de-DE" b="1" dirty="0">
+                <a:solidFill>
+                  <a:schemeClr val="bg1">
+                    <a:lumMod val="50000"/>
+                  </a:schemeClr>
+                </a:solidFill>
+              </a:rPr>
+              <a:t>// sollte 17 sein</a:t>
+            </a:r>
+          </a:p>
+          <a:p>
+            <a:r>
+              <a:rPr lang="de-DE" dirty="0"/>
+              <a:t>Texte: </a:t>
+            </a:r>
+            <a:r>
+              <a:rPr lang="de-DE" b="1" dirty="0" err="1">
+                <a:solidFill>
+                  <a:schemeClr val="accent1">
+                    <a:lumMod val="75000"/>
+                  </a:schemeClr>
+                </a:solidFill>
+              </a:rPr>
+              <a:t>var</a:t>
+            </a:r>
+            <a:r>
+              <a:rPr lang="de-DE" b="1" dirty="0">
+                <a:solidFill>
+                  <a:schemeClr val="accent1">
+                    <a:lumMod val="75000"/>
+                  </a:schemeClr>
+                </a:solidFill>
+              </a:rPr>
+              <a:t> </a:t>
+            </a:r>
+            <a:r>
+              <a:rPr lang="de-DE" b="1" i="1" dirty="0">
+                <a:solidFill>
+                  <a:schemeClr val="tx2"/>
+                </a:solidFill>
+              </a:rPr>
+              <a:t>s</a:t>
+            </a:r>
+            <a:r>
+              <a:rPr lang="de-DE" b="1" dirty="0">
+                <a:solidFill>
+                  <a:schemeClr val="accent1">
+                    <a:lumMod val="75000"/>
+                  </a:schemeClr>
+                </a:solidFill>
+              </a:rPr>
+              <a:t> = "</a:t>
+            </a:r>
+            <a:r>
+              <a:rPr lang="de-DE" dirty="0"/>
+              <a:t>x=</a:t>
+            </a:r>
+            <a:r>
+              <a:rPr lang="de-DE" b="1" dirty="0">
+                <a:solidFill>
+                  <a:schemeClr val="accent1">
+                    <a:lumMod val="75000"/>
+                  </a:schemeClr>
+                </a:solidFill>
+              </a:rPr>
+              <a:t>${</a:t>
+            </a:r>
+            <a:r>
+              <a:rPr lang="de-DE" b="1" i="1" dirty="0">
+                <a:solidFill>
+                  <a:schemeClr val="tx2"/>
+                </a:solidFill>
+              </a:rPr>
+              <a:t>x</a:t>
+            </a:r>
+            <a:r>
+              <a:rPr lang="de-DE" b="1" dirty="0">
+                <a:solidFill>
+                  <a:schemeClr val="accent1">
+                    <a:lumMod val="75000"/>
+                  </a:schemeClr>
+                </a:solidFill>
+              </a:rPr>
+              <a:t>}</a:t>
+            </a:r>
+            <a:r>
+              <a:rPr lang="de-DE" b="1" dirty="0">
+                <a:solidFill>
+                  <a:schemeClr val="accent3"/>
+                </a:solidFill>
+              </a:rPr>
+              <a:t>\n</a:t>
+            </a:r>
+            <a:r>
+              <a:rPr lang="de-DE" b="1" dirty="0">
+                <a:solidFill>
+                  <a:schemeClr val="accent1">
+                    <a:lumMod val="75000"/>
+                  </a:schemeClr>
+                </a:solidFill>
+              </a:rPr>
+              <a:t>" + "_"*</a:t>
+            </a:r>
+            <a:r>
+              <a:rPr lang="de-DE" dirty="0"/>
+              <a:t>10</a:t>
+            </a:r>
+            <a:r>
+              <a:rPr lang="de-DE" b="1" dirty="0">
+                <a:solidFill>
+                  <a:schemeClr val="accent1">
+                    <a:lumMod val="75000"/>
+                  </a:schemeClr>
+                </a:solidFill>
+              </a:rPr>
+              <a:t>;</a:t>
+            </a:r>
+          </a:p>
+          <a:p>
+            <a:r>
+              <a:rPr lang="de-DE" dirty="0"/>
+              <a:t>Schleifen/Wiederholungen: </a:t>
+            </a:r>
+            <a:r>
+              <a:rPr lang="de-DE" sz="2600" b="1" dirty="0" err="1">
+                <a:solidFill>
+                  <a:schemeClr val="accent1">
+                    <a:lumMod val="75000"/>
+                  </a:schemeClr>
+                </a:solidFill>
+              </a:rPr>
+              <a:t>for</a:t>
+            </a:r>
+            <a:r>
+              <a:rPr lang="de-DE" dirty="0">
+                <a:solidFill>
+                  <a:srgbClr val="F37637"/>
+                </a:solidFill>
+              </a:rPr>
+              <a:t> </a:t>
+            </a:r>
+            <a:r>
+              <a:rPr lang="de-DE" dirty="0"/>
+              <a:t>/ </a:t>
+            </a:r>
+            <a:r>
+              <a:rPr lang="de-DE" sz="2600" b="1" dirty="0" err="1">
+                <a:solidFill>
+                  <a:schemeClr val="accent1">
+                    <a:lumMod val="75000"/>
+                  </a:schemeClr>
+                </a:solidFill>
+              </a:rPr>
+              <a:t>while</a:t>
+            </a:r>
+            <a:endParaRPr lang="de-DE" sz="2600" b="1" dirty="0">
+              <a:solidFill>
+                <a:schemeClr val="accent1">
+                  <a:lumMod val="75000"/>
+                </a:schemeClr>
+              </a:solidFill>
+            </a:endParaRPr>
+          </a:p>
+          <a:p>
+            <a:r>
+              <a:rPr lang="de-DE" dirty="0"/>
+              <a:t>Wahrheitswerte und Logik: </a:t>
+            </a:r>
+            <a:r>
+              <a:rPr lang="de-DE" b="1" dirty="0" err="1">
+                <a:solidFill>
+                  <a:schemeClr val="accent1">
+                    <a:lumMod val="75000"/>
+                  </a:schemeClr>
+                </a:solidFill>
+              </a:rPr>
+              <a:t>var</a:t>
+            </a:r>
+            <a:r>
+              <a:rPr lang="de-DE" dirty="0"/>
+              <a:t> </a:t>
+            </a:r>
+            <a:r>
+              <a:rPr lang="de-DE" b="1" i="1" dirty="0" err="1">
+                <a:solidFill>
+                  <a:schemeClr val="accent2"/>
+                </a:solidFill>
+              </a:rPr>
+              <a:t>ergebnis</a:t>
+            </a:r>
+            <a:r>
+              <a:rPr lang="de-DE" dirty="0"/>
+              <a:t> </a:t>
+            </a:r>
+            <a:r>
+              <a:rPr lang="de-DE" b="1" dirty="0">
+                <a:solidFill>
+                  <a:schemeClr val="accent1">
+                    <a:lumMod val="75000"/>
+                  </a:schemeClr>
+                </a:solidFill>
+              </a:rPr>
+              <a:t>=</a:t>
+            </a:r>
+            <a:r>
+              <a:rPr lang="de-DE" dirty="0"/>
+              <a:t> </a:t>
+            </a:r>
+            <a:r>
+              <a:rPr lang="de-DE" b="1" dirty="0" err="1">
+                <a:solidFill>
+                  <a:schemeClr val="accent1">
+                    <a:lumMod val="75000"/>
+                  </a:schemeClr>
+                </a:solidFill>
+              </a:rPr>
+              <a:t>true</a:t>
+            </a:r>
+            <a:r>
+              <a:rPr lang="de-DE" dirty="0"/>
+              <a:t> </a:t>
+            </a:r>
+            <a:r>
+              <a:rPr lang="de-DE" b="1" dirty="0">
+                <a:solidFill>
+                  <a:schemeClr val="accent1">
+                    <a:lumMod val="75000"/>
+                  </a:schemeClr>
+                </a:solidFill>
+              </a:rPr>
+              <a:t>and </a:t>
+            </a:r>
+            <a:r>
+              <a:rPr lang="de-DE" b="1" i="1" dirty="0">
+                <a:solidFill>
+                  <a:schemeClr val="accent2"/>
+                </a:solidFill>
+              </a:rPr>
+              <a:t>aussage</a:t>
+            </a:r>
+            <a:r>
+              <a:rPr lang="de-DE" b="1" dirty="0">
+                <a:solidFill>
+                  <a:schemeClr val="accent1">
+                    <a:lumMod val="75000"/>
+                  </a:schemeClr>
+                </a:solidFill>
+              </a:rPr>
+              <a:t>;</a:t>
+            </a:r>
+          </a:p>
+          <a:p>
+            <a:r>
+              <a:rPr lang="de-DE" dirty="0"/>
+              <a:t>Verzweigungen: </a:t>
+            </a:r>
+            <a:r>
+              <a:rPr lang="de-DE" sz="2600" b="1" dirty="0" err="1">
+                <a:solidFill>
+                  <a:schemeClr val="accent1">
+                    <a:lumMod val="75000"/>
+                  </a:schemeClr>
+                </a:solidFill>
+              </a:rPr>
+              <a:t>if</a:t>
+            </a:r>
+            <a:r>
+              <a:rPr lang="de-DE" dirty="0"/>
+              <a:t> / </a:t>
+            </a:r>
+            <a:r>
+              <a:rPr lang="de-DE" sz="2600" b="1" dirty="0" err="1">
+                <a:solidFill>
+                  <a:schemeClr val="accent1">
+                    <a:lumMod val="75000"/>
+                  </a:schemeClr>
+                </a:solidFill>
+              </a:rPr>
+              <a:t>else</a:t>
+            </a:r>
+            <a:r>
+              <a:rPr lang="de-DE" sz="2600" b="1" dirty="0">
+                <a:solidFill>
+                  <a:schemeClr val="accent1">
+                    <a:lumMod val="75000"/>
+                  </a:schemeClr>
+                </a:solidFill>
+              </a:rPr>
+              <a:t> </a:t>
+            </a:r>
+            <a:r>
+              <a:rPr lang="de-DE" sz="2600" b="1" dirty="0" err="1">
+                <a:solidFill>
+                  <a:schemeClr val="accent1">
+                    <a:lumMod val="75000"/>
+                  </a:schemeClr>
+                </a:solidFill>
+              </a:rPr>
+              <a:t>if</a:t>
+            </a:r>
+            <a:r>
+              <a:rPr lang="de-DE" sz="2600" b="1" dirty="0">
+                <a:solidFill>
+                  <a:schemeClr val="accent1">
+                    <a:lumMod val="75000"/>
+                  </a:schemeClr>
+                </a:solidFill>
+              </a:rPr>
+              <a:t> </a:t>
+            </a:r>
+            <a:r>
+              <a:rPr lang="de-DE" dirty="0"/>
+              <a:t>/ </a:t>
+            </a:r>
+            <a:r>
+              <a:rPr lang="de-DE" sz="2600" b="1" dirty="0" err="1">
+                <a:solidFill>
+                  <a:schemeClr val="accent1">
+                    <a:lumMod val="75000"/>
+                  </a:schemeClr>
+                </a:solidFill>
+              </a:rPr>
+              <a:t>else</a:t>
+            </a:r>
+            <a:endParaRPr lang="de-DE" sz="2600" b="1" dirty="0">
+              <a:solidFill>
+                <a:schemeClr val="accent1">
+                  <a:lumMod val="75000"/>
+                </a:schemeClr>
+              </a:solidFill>
+            </a:endParaRPr>
+          </a:p>
+          <a:p>
+            <a:r>
+              <a:rPr lang="de-DE" dirty="0"/>
+              <a:t>Listen / Maps: </a:t>
+            </a:r>
+            <a:r>
+              <a:rPr lang="de-DE" b="1" dirty="0">
+                <a:solidFill>
+                  <a:schemeClr val="accent1">
+                    <a:lumMod val="75000"/>
+                  </a:schemeClr>
+                </a:solidFill>
+              </a:rPr>
+              <a:t>[</a:t>
+            </a:r>
+            <a:r>
+              <a:rPr lang="de-DE" dirty="0"/>
+              <a:t>…</a:t>
+            </a:r>
+            <a:r>
+              <a:rPr lang="de-DE" b="1" dirty="0">
+                <a:solidFill>
+                  <a:schemeClr val="accent1">
+                    <a:lumMod val="75000"/>
+                  </a:schemeClr>
+                </a:solidFill>
+              </a:rPr>
+              <a:t>]</a:t>
+            </a:r>
+            <a:r>
+              <a:rPr lang="de-DE" dirty="0"/>
+              <a:t> / </a:t>
+            </a:r>
+            <a:r>
+              <a:rPr lang="de-DE" b="1" dirty="0">
+                <a:solidFill>
+                  <a:schemeClr val="accent1">
+                    <a:lumMod val="75000"/>
+                  </a:schemeClr>
+                </a:solidFill>
+              </a:rPr>
+              <a:t>{</a:t>
+            </a:r>
+            <a:r>
+              <a:rPr lang="de-DE" dirty="0"/>
+              <a:t>… </a:t>
+            </a:r>
+            <a:r>
+              <a:rPr lang="de-DE" b="1" dirty="0">
+                <a:solidFill>
+                  <a:schemeClr val="accent1">
+                    <a:lumMod val="75000"/>
+                  </a:schemeClr>
+                </a:solidFill>
+              </a:rPr>
+              <a:t>: </a:t>
+            </a:r>
+            <a:r>
+              <a:rPr lang="de-DE" dirty="0"/>
+              <a:t>…</a:t>
+            </a:r>
+            <a:r>
+              <a:rPr lang="de-DE" b="1" dirty="0">
+                <a:solidFill>
+                  <a:schemeClr val="accent1">
+                    <a:lumMod val="75000"/>
+                  </a:schemeClr>
+                </a:solidFill>
+              </a:rPr>
+              <a:t>}</a:t>
+            </a:r>
+          </a:p>
+          <a:p>
+            <a:r>
+              <a:rPr lang="de-DE" dirty="0"/>
+              <a:t>Methoden / Funktionen: </a:t>
+            </a:r>
+            <a:r>
+              <a:rPr lang="de-DE" sz="2800" b="1" i="1" dirty="0">
+                <a:solidFill>
+                  <a:schemeClr val="tx2"/>
+                </a:solidFill>
+              </a:rPr>
+              <a:t>typ</a:t>
+            </a:r>
+            <a:r>
+              <a:rPr lang="de-DE" sz="2800" b="1" dirty="0">
+                <a:solidFill>
+                  <a:schemeClr val="accent1">
+                    <a:lumMod val="75000"/>
+                  </a:schemeClr>
+                </a:solidFill>
+              </a:rPr>
+              <a:t> </a:t>
+            </a:r>
+            <a:r>
+              <a:rPr lang="de-DE" sz="2800" b="1" i="1" dirty="0" err="1">
+                <a:solidFill>
+                  <a:schemeClr val="tx2"/>
+                </a:solidFill>
+              </a:rPr>
+              <a:t>name</a:t>
+            </a:r>
+            <a:r>
+              <a:rPr lang="de-DE" sz="2800" b="1" dirty="0">
+                <a:solidFill>
+                  <a:schemeClr val="accent1">
+                    <a:lumMod val="75000"/>
+                  </a:schemeClr>
+                </a:solidFill>
+              </a:rPr>
+              <a:t>(</a:t>
+            </a:r>
+            <a:r>
+              <a:rPr lang="de-DE" sz="2800" b="1" i="1" dirty="0">
+                <a:solidFill>
+                  <a:schemeClr val="tx2"/>
+                </a:solidFill>
+              </a:rPr>
+              <a:t>typ</a:t>
+            </a:r>
+            <a:r>
+              <a:rPr lang="de-DE" sz="2800" b="1" dirty="0">
+                <a:solidFill>
+                  <a:schemeClr val="accent1">
+                    <a:lumMod val="75000"/>
+                  </a:schemeClr>
+                </a:solidFill>
+              </a:rPr>
+              <a:t> </a:t>
+            </a:r>
+            <a:r>
+              <a:rPr lang="de-DE" sz="2800" b="1" i="1" dirty="0">
+                <a:solidFill>
+                  <a:schemeClr val="tx2"/>
+                </a:solidFill>
+              </a:rPr>
+              <a:t>arg</a:t>
+            </a:r>
+            <a:r>
+              <a:rPr lang="de-DE" b="1" dirty="0">
+                <a:solidFill>
+                  <a:schemeClr val="accent1">
+                    <a:lumMod val="75000"/>
+                  </a:schemeClr>
+                </a:solidFill>
+              </a:rPr>
+              <a:t>, </a:t>
+            </a:r>
+            <a:r>
+              <a:rPr lang="de-DE" sz="2800" b="1" i="1" dirty="0">
+                <a:solidFill>
+                  <a:schemeClr val="tx2"/>
+                </a:solidFill>
+              </a:rPr>
+              <a:t>typ arg2</a:t>
+            </a:r>
+            <a:r>
+              <a:rPr lang="de-DE" sz="2800" b="1" dirty="0">
+                <a:solidFill>
+                  <a:schemeClr val="accent1">
+                    <a:lumMod val="75000"/>
+                  </a:schemeClr>
+                </a:solidFill>
+              </a:rPr>
+              <a:t>) {</a:t>
+            </a:r>
+            <a:r>
+              <a:rPr lang="de-DE" dirty="0"/>
+              <a:t> </a:t>
+            </a:r>
+            <a:r>
+              <a:rPr lang="de-DE" sz="2800" b="1" dirty="0" err="1">
+                <a:solidFill>
+                  <a:schemeClr val="accent1">
+                    <a:lumMod val="75000"/>
+                  </a:schemeClr>
+                </a:solidFill>
+              </a:rPr>
+              <a:t>return</a:t>
+            </a:r>
+            <a:r>
+              <a:rPr lang="de-DE" sz="2800" b="1" i="1" dirty="0">
+                <a:solidFill>
+                  <a:schemeClr val="tx2"/>
+                </a:solidFill>
+              </a:rPr>
+              <a:t> </a:t>
+            </a:r>
+            <a:r>
+              <a:rPr lang="de-DE" sz="2800" b="1" i="1" dirty="0" err="1">
+                <a:solidFill>
+                  <a:schemeClr val="tx2"/>
+                </a:solidFill>
+              </a:rPr>
+              <a:t>ergebnis</a:t>
+            </a:r>
+            <a:r>
+              <a:rPr lang="de-DE" sz="2800" b="1" dirty="0">
+                <a:solidFill>
+                  <a:schemeClr val="accent1">
+                    <a:lumMod val="75000"/>
+                  </a:schemeClr>
+                </a:solidFill>
+              </a:rPr>
+              <a:t>;</a:t>
+            </a:r>
+            <a:r>
+              <a:rPr lang="de-DE" sz="2800" b="1" i="1" dirty="0">
+                <a:solidFill>
+                  <a:schemeClr val="tx2"/>
+                </a:solidFill>
+              </a:rPr>
+              <a:t> </a:t>
+            </a:r>
+            <a:r>
+              <a:rPr lang="de-DE" sz="2800" b="1" dirty="0">
+                <a:solidFill>
+                  <a:schemeClr val="accent1">
+                    <a:lumMod val="75000"/>
+                  </a:schemeClr>
+                </a:solidFill>
+              </a:rPr>
+              <a:t>}</a:t>
+            </a:r>
+            <a:endParaRPr lang="de-DE" b="1" dirty="0">
+              <a:solidFill>
+                <a:schemeClr val="accent1">
+                  <a:lumMod val="75000"/>
+                </a:schemeClr>
+              </a:solidFill>
+            </a:endParaRPr>
+          </a:p>
+        </p:txBody>
+      </p:sp>
+      <p:sp>
+        <p:nvSpPr>
+          <p:cNvPr id="2" name="Datumsplatzhalter 1"/>
+          <p:cNvSpPr>
+            <a:spLocks noGrp="1"/>
+          </p:cNvSpPr>
+          <p:nvPr>
+            <p:ph type="dt" sz="half" idx="10"/>
+          </p:nvPr>
+        </p:nvSpPr>
+        <p:spPr/>
+        <p:txBody>
+          <a:bodyPr/>
+          <a:lstStyle/>
+          <a:p>
+            <a:fld id="{E1EB8521-16D9-4071-8EFA-C4195C4897B7}" type="datetime1">
+              <a:rPr lang="de-DE" smtClean="0"/>
+              <a:t>07.10.2021</a:t>
+            </a:fld>
+            <a:endParaRPr lang="de-DE"/>
+          </a:p>
+        </p:txBody>
+      </p:sp>
+      <p:sp>
+        <p:nvSpPr>
+          <p:cNvPr id="3" name="Fußzeilenplatzhalter 2"/>
+          <p:cNvSpPr>
+            <a:spLocks noGrp="1"/>
+          </p:cNvSpPr>
+          <p:nvPr>
+            <p:ph type="ftr" sz="quarter" idx="11"/>
+          </p:nvPr>
+        </p:nvSpPr>
+        <p:spPr/>
+        <p:txBody>
+          <a:bodyPr/>
+          <a:lstStyle/>
+          <a:p>
+            <a:r>
+              <a:rPr lang="de-DE"/>
+              <a:t>Dart - Programmiersprache für Smartphones</a:t>
+            </a:r>
+          </a:p>
+        </p:txBody>
+      </p:sp>
+      <p:sp>
+        <p:nvSpPr>
+          <p:cNvPr id="6" name="Foliennummernplatzhalter 5"/>
+          <p:cNvSpPr>
+            <a:spLocks noGrp="1"/>
+          </p:cNvSpPr>
+          <p:nvPr>
+            <p:ph type="sldNum" sz="quarter" idx="12"/>
+          </p:nvPr>
+        </p:nvSpPr>
+        <p:spPr/>
+        <p:txBody>
+          <a:bodyPr/>
+          <a:lstStyle/>
+          <a:p>
+            <a:fld id="{3A1F27E2-D58A-4028-9FF2-B12D897F257E}" type="slidenum">
+              <a:rPr lang="de-DE" smtClean="0"/>
+              <a:t>71</a:t>
+            </a:fld>
+            <a:endParaRPr lang="de-DE"/>
+          </a:p>
+        </p:txBody>
+      </p:sp>
+    </p:spTree>
+    <p:extLst>
+      <p:ext uri="{BB962C8B-B14F-4D97-AF65-F5344CB8AC3E}">
+        <p14:creationId xmlns:p14="http://schemas.microsoft.com/office/powerpoint/2010/main" val="2637983416"/>
+      </p:ext>
+    </p:extLst>
+  </p:cSld>
+  <p:clrMapOvr>
+    <a:masterClrMapping/>
+  </p:clrMapOvr>
+</p:sld>
+</file>
+
+<file path=ppt/slides/slide72.xml><?xml version="1.0" encoding="utf-8"?>
+<p:sld xmlns:a="http://schemas.openxmlformats.org/drawingml/2006/main" xmlns:r="http://schemas.openxmlformats.org/officeDocument/2006/relationships" xmlns:p="http://schemas.openxmlformats.org/presentationml/2006/main">
+  <p:cSld>
+    <p:spTree>
+      <p:nvGrpSpPr>
+        <p:cNvPr id="1" name=""/>
+        <p:cNvGrpSpPr/>
+        <p:nvPr/>
+      </p:nvGrpSpPr>
+      <p:grpSpPr>
+        <a:xfrm>
+          <a:off x="0" y="0"/>
+          <a:ext cx="0" cy="0"/>
+          <a:chOff x="0" y="0"/>
+          <a:chExt cx="0" cy="0"/>
+        </a:xfrm>
+      </p:grpSpPr>
+      <p:sp>
+        <p:nvSpPr>
+          <p:cNvPr id="4" name="Titel 3"/>
+          <p:cNvSpPr>
+            <a:spLocks noGrp="1"/>
+          </p:cNvSpPr>
+          <p:nvPr>
+            <p:ph type="title"/>
+          </p:nvPr>
+        </p:nvSpPr>
+        <p:spPr/>
+        <p:txBody>
+          <a:bodyPr/>
+          <a:lstStyle/>
+          <a:p>
+            <a:r>
+              <a:rPr lang="de-DE" dirty="0"/>
+              <a:t>Zusammenfassung</a:t>
+            </a:r>
+          </a:p>
+        </p:txBody>
+      </p:sp>
+      <p:sp>
+        <p:nvSpPr>
+          <p:cNvPr id="5" name="Inhaltsplatzhalter 4"/>
+          <p:cNvSpPr>
+            <a:spLocks noGrp="1"/>
+          </p:cNvSpPr>
+          <p:nvPr>
+            <p:ph idx="1"/>
+          </p:nvPr>
+        </p:nvSpPr>
+        <p:spPr>
+          <a:xfrm>
+            <a:off x="838200" y="1520825"/>
+            <a:ext cx="11099104" cy="4645025"/>
+          </a:xfrm>
+        </p:spPr>
+        <p:txBody>
+          <a:bodyPr>
+            <a:normAutofit/>
+          </a:bodyPr>
+          <a:lstStyle/>
+          <a:p>
+            <a:r>
+              <a:rPr lang="de-DE" dirty="0" err="1"/>
+              <a:t>Named</a:t>
+            </a:r>
+            <a:r>
+              <a:rPr lang="de-DE" dirty="0"/>
+              <a:t> Arguments: </a:t>
+            </a:r>
+            <a:br>
+              <a:rPr lang="de-DE" dirty="0"/>
+            </a:br>
+            <a:r>
+              <a:rPr lang="de-DE" sz="2800" b="1" i="1" dirty="0">
+                <a:solidFill>
+                  <a:schemeClr val="tx2"/>
+                </a:solidFill>
+              </a:rPr>
+              <a:t>typ</a:t>
+            </a:r>
+            <a:r>
+              <a:rPr lang="de-DE" sz="2800" b="1" dirty="0">
+                <a:solidFill>
+                  <a:schemeClr val="accent1">
+                    <a:lumMod val="75000"/>
+                  </a:schemeClr>
+                </a:solidFill>
+              </a:rPr>
+              <a:t> </a:t>
+            </a:r>
+            <a:r>
+              <a:rPr lang="de-DE" sz="2800" b="1" i="1" dirty="0" err="1">
+                <a:solidFill>
+                  <a:schemeClr val="tx2"/>
+                </a:solidFill>
+              </a:rPr>
+              <a:t>name</a:t>
+            </a:r>
+            <a:r>
+              <a:rPr lang="de-DE" sz="2800" b="1" dirty="0">
+                <a:solidFill>
+                  <a:schemeClr val="accent1">
+                    <a:lumMod val="75000"/>
+                  </a:schemeClr>
+                </a:solidFill>
+              </a:rPr>
+              <a:t>({</a:t>
+            </a:r>
+            <a:r>
+              <a:rPr lang="de-DE" sz="2800" b="1" dirty="0" err="1">
+                <a:solidFill>
+                  <a:schemeClr val="accent1">
+                    <a:lumMod val="75000"/>
+                  </a:schemeClr>
+                </a:solidFill>
+              </a:rPr>
+              <a:t>required</a:t>
+            </a:r>
+            <a:r>
+              <a:rPr lang="de-DE" sz="2800" b="1" dirty="0">
+                <a:solidFill>
+                  <a:schemeClr val="accent1">
+                    <a:lumMod val="75000"/>
+                  </a:schemeClr>
+                </a:solidFill>
+              </a:rPr>
+              <a:t> </a:t>
+            </a:r>
+            <a:r>
+              <a:rPr lang="de-DE" sz="2800" b="1" i="1" dirty="0">
+                <a:solidFill>
+                  <a:schemeClr val="tx2"/>
+                </a:solidFill>
+              </a:rPr>
+              <a:t>typ</a:t>
+            </a:r>
+            <a:r>
+              <a:rPr lang="de-DE" sz="2800" b="1" dirty="0">
+                <a:solidFill>
+                  <a:schemeClr val="accent1">
+                    <a:lumMod val="75000"/>
+                  </a:schemeClr>
+                </a:solidFill>
+              </a:rPr>
+              <a:t> </a:t>
+            </a:r>
+            <a:r>
+              <a:rPr lang="de-DE" sz="2800" b="1" i="1" dirty="0">
+                <a:solidFill>
+                  <a:schemeClr val="tx2"/>
+                </a:solidFill>
+              </a:rPr>
+              <a:t>arg</a:t>
+            </a:r>
+            <a:r>
+              <a:rPr lang="de-DE" b="1" dirty="0">
+                <a:solidFill>
+                  <a:schemeClr val="accent1">
+                    <a:lumMod val="75000"/>
+                  </a:schemeClr>
+                </a:solidFill>
+              </a:rPr>
+              <a:t>, </a:t>
+            </a:r>
+            <a:r>
+              <a:rPr lang="de-DE" sz="2800" b="1" i="1" dirty="0">
+                <a:solidFill>
+                  <a:schemeClr val="tx2"/>
+                </a:solidFill>
+              </a:rPr>
+              <a:t>typ arg2</a:t>
+            </a:r>
+            <a:r>
+              <a:rPr lang="de-DE" b="1" dirty="0">
+                <a:solidFill>
+                  <a:schemeClr val="accent1">
+                    <a:lumMod val="75000"/>
+                  </a:schemeClr>
+                </a:solidFill>
+              </a:rPr>
+              <a:t> = </a:t>
+            </a:r>
+            <a:r>
+              <a:rPr lang="de-DE" sz="2800" b="1" i="1" dirty="0" err="1">
+                <a:solidFill>
+                  <a:schemeClr val="tx2"/>
+                </a:solidFill>
+              </a:rPr>
+              <a:t>standard</a:t>
+            </a:r>
+            <a:r>
+              <a:rPr lang="de-DE" b="1" dirty="0">
+                <a:solidFill>
+                  <a:schemeClr val="accent1">
+                    <a:lumMod val="75000"/>
+                  </a:schemeClr>
+                </a:solidFill>
+              </a:rPr>
+              <a:t>}</a:t>
+            </a:r>
+            <a:r>
+              <a:rPr lang="de-DE" sz="2800" b="1" dirty="0">
+                <a:solidFill>
+                  <a:schemeClr val="accent1">
+                    <a:lumMod val="75000"/>
+                  </a:schemeClr>
+                </a:solidFill>
+              </a:rPr>
+              <a:t>) {</a:t>
+            </a:r>
+            <a:r>
+              <a:rPr lang="de-DE" dirty="0"/>
+              <a:t> </a:t>
+            </a:r>
+            <a:r>
+              <a:rPr lang="de-DE" sz="2800" b="1" dirty="0" err="1">
+                <a:solidFill>
+                  <a:schemeClr val="accent1">
+                    <a:lumMod val="75000"/>
+                  </a:schemeClr>
+                </a:solidFill>
+              </a:rPr>
+              <a:t>return</a:t>
+            </a:r>
+            <a:r>
+              <a:rPr lang="de-DE" sz="2800" b="1" i="1" dirty="0">
+                <a:solidFill>
+                  <a:schemeClr val="tx2"/>
+                </a:solidFill>
+              </a:rPr>
+              <a:t> </a:t>
+            </a:r>
+            <a:r>
+              <a:rPr lang="de-DE" sz="2800" b="1" i="1" dirty="0" err="1">
+                <a:solidFill>
+                  <a:schemeClr val="tx2"/>
+                </a:solidFill>
+              </a:rPr>
+              <a:t>ergebnis</a:t>
+            </a:r>
+            <a:r>
+              <a:rPr lang="de-DE" sz="2800" b="1" dirty="0">
+                <a:solidFill>
+                  <a:schemeClr val="accent1">
+                    <a:lumMod val="75000"/>
+                  </a:schemeClr>
+                </a:solidFill>
+              </a:rPr>
+              <a:t>;</a:t>
+            </a:r>
+            <a:r>
+              <a:rPr lang="de-DE" sz="2800" b="1" i="1" dirty="0">
+                <a:solidFill>
+                  <a:schemeClr val="tx2"/>
+                </a:solidFill>
+              </a:rPr>
+              <a:t> </a:t>
+            </a:r>
+            <a:r>
+              <a:rPr lang="de-DE" sz="2800" b="1" dirty="0">
+                <a:solidFill>
+                  <a:schemeClr val="accent1">
+                    <a:lumMod val="75000"/>
+                  </a:schemeClr>
+                </a:solidFill>
+              </a:rPr>
+              <a:t>}</a:t>
+            </a:r>
+          </a:p>
+          <a:p>
+            <a:r>
+              <a:rPr lang="de-DE" dirty="0"/>
+              <a:t>Callback: </a:t>
+            </a:r>
+            <a:r>
+              <a:rPr lang="de-DE" b="1" dirty="0" err="1">
+                <a:solidFill>
+                  <a:schemeClr val="accent1">
+                    <a:lumMod val="75000"/>
+                  </a:schemeClr>
+                </a:solidFill>
+              </a:rPr>
+              <a:t>var</a:t>
+            </a:r>
+            <a:r>
+              <a:rPr lang="de-DE" b="1" dirty="0">
+                <a:solidFill>
+                  <a:schemeClr val="accent1">
+                    <a:lumMod val="75000"/>
+                  </a:schemeClr>
+                </a:solidFill>
+              </a:rPr>
+              <a:t> </a:t>
+            </a:r>
+            <a:r>
+              <a:rPr lang="de-DE" b="1" i="1" dirty="0" err="1">
+                <a:solidFill>
+                  <a:schemeClr val="tx2"/>
+                </a:solidFill>
+              </a:rPr>
+              <a:t>callback</a:t>
+            </a:r>
+            <a:r>
+              <a:rPr lang="de-DE" b="1" dirty="0">
+                <a:solidFill>
+                  <a:schemeClr val="accent1">
+                    <a:lumMod val="75000"/>
+                  </a:schemeClr>
+                </a:solidFill>
+              </a:rPr>
+              <a:t> = </a:t>
+            </a:r>
+            <a:r>
+              <a:rPr lang="de-DE" b="1" i="1" dirty="0" err="1">
+                <a:solidFill>
+                  <a:schemeClr val="tx2"/>
+                </a:solidFill>
+              </a:rPr>
+              <a:t>funktion</a:t>
+            </a:r>
+            <a:r>
+              <a:rPr lang="de-DE" b="1" dirty="0">
+                <a:solidFill>
+                  <a:schemeClr val="accent1">
+                    <a:lumMod val="75000"/>
+                  </a:schemeClr>
+                </a:solidFill>
+              </a:rPr>
+              <a:t>; </a:t>
+            </a:r>
+            <a:r>
+              <a:rPr lang="de-DE" dirty="0"/>
+              <a:t>(ohne Klammern)</a:t>
+            </a:r>
+          </a:p>
+          <a:p>
+            <a:r>
+              <a:rPr lang="de-DE" dirty="0" err="1"/>
+              <a:t>Async</a:t>
+            </a:r>
+            <a:r>
+              <a:rPr lang="de-DE" dirty="0"/>
+              <a:t>/</a:t>
+            </a:r>
+            <a:r>
+              <a:rPr lang="de-DE" dirty="0" err="1"/>
+              <a:t>await</a:t>
+            </a:r>
+            <a:r>
+              <a:rPr lang="de-DE" dirty="0"/>
+              <a:t>: </a:t>
+            </a:r>
+            <a:r>
+              <a:rPr lang="de-DE" sz="2800" b="1" dirty="0" err="1">
+                <a:solidFill>
+                  <a:schemeClr val="accent1">
+                    <a:lumMod val="75000"/>
+                  </a:schemeClr>
+                </a:solidFill>
+              </a:rPr>
+              <a:t>var</a:t>
+            </a:r>
+            <a:r>
+              <a:rPr lang="de-DE" sz="2800" dirty="0"/>
+              <a:t> </a:t>
+            </a:r>
+            <a:r>
+              <a:rPr lang="de-DE" sz="2800" b="1" i="1" dirty="0" err="1">
+                <a:solidFill>
+                  <a:schemeClr val="tx2"/>
+                </a:solidFill>
+              </a:rPr>
+              <a:t>ergebnis</a:t>
+            </a:r>
+            <a:r>
+              <a:rPr lang="de-DE" sz="2800" dirty="0"/>
+              <a:t> </a:t>
+            </a:r>
+            <a:r>
+              <a:rPr lang="de-DE" sz="2800" b="1" dirty="0">
+                <a:solidFill>
+                  <a:schemeClr val="accent1">
+                    <a:lumMod val="75000"/>
+                  </a:schemeClr>
+                </a:solidFill>
+              </a:rPr>
+              <a:t>= </a:t>
+            </a:r>
+            <a:r>
+              <a:rPr lang="de-DE" sz="2800" b="1" dirty="0" err="1">
+                <a:solidFill>
+                  <a:schemeClr val="accent1">
+                    <a:lumMod val="75000"/>
+                  </a:schemeClr>
+                </a:solidFill>
+              </a:rPr>
+              <a:t>await</a:t>
+            </a:r>
+            <a:r>
+              <a:rPr lang="de-DE" sz="2800" dirty="0"/>
+              <a:t> </a:t>
+            </a:r>
+            <a:r>
+              <a:rPr lang="de-DE" sz="2800" b="1" i="1" dirty="0" err="1">
+                <a:solidFill>
+                  <a:schemeClr val="tx2"/>
+                </a:solidFill>
+              </a:rPr>
+              <a:t>funktion</a:t>
+            </a:r>
+            <a:r>
+              <a:rPr lang="de-DE" sz="2800" b="1" dirty="0">
+                <a:solidFill>
+                  <a:schemeClr val="accent1">
+                    <a:lumMod val="75000"/>
+                  </a:schemeClr>
+                </a:solidFill>
+              </a:rPr>
+              <a:t>();</a:t>
+            </a:r>
+          </a:p>
+          <a:p>
+            <a:endParaRPr lang="de-DE" dirty="0"/>
+          </a:p>
+        </p:txBody>
+      </p:sp>
+      <p:sp>
+        <p:nvSpPr>
+          <p:cNvPr id="2" name="Datumsplatzhalter 1"/>
+          <p:cNvSpPr>
+            <a:spLocks noGrp="1"/>
+          </p:cNvSpPr>
+          <p:nvPr>
+            <p:ph type="dt" sz="half" idx="10"/>
+          </p:nvPr>
+        </p:nvSpPr>
+        <p:spPr/>
+        <p:txBody>
+          <a:bodyPr/>
+          <a:lstStyle/>
+          <a:p>
+            <a:fld id="{E1EB8521-16D9-4071-8EFA-C4195C4897B7}" type="datetime1">
+              <a:rPr lang="de-DE" smtClean="0"/>
+              <a:t>07.10.2021</a:t>
+            </a:fld>
+            <a:endParaRPr lang="de-DE"/>
+          </a:p>
+        </p:txBody>
+      </p:sp>
+      <p:sp>
+        <p:nvSpPr>
+          <p:cNvPr id="3" name="Fußzeilenplatzhalter 2"/>
+          <p:cNvSpPr>
+            <a:spLocks noGrp="1"/>
+          </p:cNvSpPr>
+          <p:nvPr>
+            <p:ph type="ftr" sz="quarter" idx="11"/>
+          </p:nvPr>
+        </p:nvSpPr>
+        <p:spPr/>
+        <p:txBody>
+          <a:bodyPr/>
+          <a:lstStyle/>
+          <a:p>
+            <a:r>
+              <a:rPr lang="de-DE"/>
+              <a:t>Dart - Programmiersprache für Smartphones</a:t>
+            </a:r>
+          </a:p>
+        </p:txBody>
+      </p:sp>
+      <p:sp>
+        <p:nvSpPr>
+          <p:cNvPr id="6" name="Foliennummernplatzhalter 5"/>
+          <p:cNvSpPr>
+            <a:spLocks noGrp="1"/>
+          </p:cNvSpPr>
+          <p:nvPr>
+            <p:ph type="sldNum" sz="quarter" idx="12"/>
+          </p:nvPr>
+        </p:nvSpPr>
+        <p:spPr/>
+        <p:txBody>
+          <a:bodyPr/>
+          <a:lstStyle/>
+          <a:p>
+            <a:fld id="{3A1F27E2-D58A-4028-9FF2-B12D897F257E}" type="slidenum">
+              <a:rPr lang="de-DE" smtClean="0"/>
+              <a:t>72</a:t>
+            </a:fld>
+            <a:endParaRPr lang="de-DE"/>
+          </a:p>
+        </p:txBody>
+      </p:sp>
+    </p:spTree>
+    <p:extLst>
+      <p:ext uri="{BB962C8B-B14F-4D97-AF65-F5344CB8AC3E}">
+        <p14:creationId xmlns:p14="http://schemas.microsoft.com/office/powerpoint/2010/main" val="19507976"/>
+      </p:ext>
+    </p:extLst>
+  </p:cSld>
+  <p:clrMapOvr>
+    <a:masterClrMapping/>
+  </p:clrMapOvr>
+</p:sld>
+</file>
+
+<file path=ppt/slides/slide73.xml><?xml version="1.0" encoding="utf-8"?>
+<p:sld xmlns:a="http://schemas.openxmlformats.org/drawingml/2006/main" xmlns:r="http://schemas.openxmlformats.org/officeDocument/2006/relationships" xmlns:p="http://schemas.openxmlformats.org/presentationml/2006/main">
+  <p:cSld>
+    <p:spTree>
+      <p:nvGrpSpPr>
+        <p:cNvPr id="1" name=""/>
+        <p:cNvGrpSpPr/>
+        <p:nvPr/>
+      </p:nvGrpSpPr>
+      <p:grpSpPr>
+        <a:xfrm>
+          <a:off x="0" y="0"/>
+          <a:ext cx="0" cy="0"/>
+          <a:chOff x="0" y="0"/>
+          <a:chExt cx="0" cy="0"/>
+        </a:xfrm>
+      </p:grpSpPr>
+      <p:sp>
+        <p:nvSpPr>
+          <p:cNvPr id="4" name="Titel 3"/>
+          <p:cNvSpPr>
+            <a:spLocks noGrp="1"/>
+          </p:cNvSpPr>
+          <p:nvPr>
+            <p:ph type="title"/>
+          </p:nvPr>
+        </p:nvSpPr>
+        <p:spPr/>
+        <p:txBody>
+          <a:bodyPr/>
+          <a:lstStyle/>
+          <a:p>
+            <a:r>
+              <a:rPr lang="de-DE" dirty="0"/>
+              <a:t>Fragen</a:t>
+            </a:r>
+          </a:p>
+        </p:txBody>
+      </p:sp>
+      <p:sp>
+        <p:nvSpPr>
+          <p:cNvPr id="2" name="Datumsplatzhalter 1"/>
+          <p:cNvSpPr>
+            <a:spLocks noGrp="1"/>
+          </p:cNvSpPr>
+          <p:nvPr>
+            <p:ph type="dt" sz="half" idx="10"/>
+          </p:nvPr>
+        </p:nvSpPr>
+        <p:spPr/>
+        <p:txBody>
+          <a:bodyPr/>
+          <a:lstStyle/>
+          <a:p>
+            <a:fld id="{4C474D4E-6F2D-414E-9CFE-52E54FFAF53B}" type="datetime1">
+              <a:rPr lang="de-DE" smtClean="0"/>
+              <a:t>07.10.2021</a:t>
+            </a:fld>
+            <a:endParaRPr lang="de-DE"/>
+          </a:p>
+        </p:txBody>
+      </p:sp>
+      <p:sp>
+        <p:nvSpPr>
+          <p:cNvPr id="3" name="Fußzeilenplatzhalter 2"/>
+          <p:cNvSpPr>
+            <a:spLocks noGrp="1"/>
+          </p:cNvSpPr>
+          <p:nvPr>
+            <p:ph type="ftr" sz="quarter" idx="11"/>
+          </p:nvPr>
+        </p:nvSpPr>
+        <p:spPr/>
+        <p:txBody>
+          <a:bodyPr/>
+          <a:lstStyle/>
+          <a:p>
+            <a:r>
+              <a:rPr lang="de-DE"/>
+              <a:t>Dart - Programmiersprache für Smartphones</a:t>
+            </a:r>
+          </a:p>
+        </p:txBody>
+      </p:sp>
+      <p:sp>
+        <p:nvSpPr>
+          <p:cNvPr id="6" name="Foliennummernplatzhalter 5"/>
+          <p:cNvSpPr>
+            <a:spLocks noGrp="1"/>
+          </p:cNvSpPr>
+          <p:nvPr>
+            <p:ph type="sldNum" sz="quarter" idx="12"/>
+          </p:nvPr>
+        </p:nvSpPr>
+        <p:spPr/>
+        <p:txBody>
+          <a:bodyPr/>
+          <a:lstStyle/>
+          <a:p>
+            <a:fld id="{3A1F27E2-D58A-4028-9FF2-B12D897F257E}" type="slidenum">
+              <a:rPr lang="de-DE" smtClean="0"/>
+              <a:t>73</a:t>
+            </a:fld>
+            <a:endParaRPr lang="de-DE"/>
+          </a:p>
+        </p:txBody>
+      </p:sp>
+    </p:spTree>
+    <p:extLst>
+      <p:ext uri="{BB962C8B-B14F-4D97-AF65-F5344CB8AC3E}">
+        <p14:creationId xmlns:p14="http://schemas.microsoft.com/office/powerpoint/2010/main" val="3029113584"/>
       </p:ext>
     </p:extLst>
   </p:cSld>
@@ -33206,7 +35276,7 @@
           <a:p>
             <a:fld id="{1C0995EA-9F29-4477-A41A-BE537DF414BE}" type="datetime1">
               <a:rPr lang="de-DE" smtClean="0"/>
-              <a:t>30.09.2021</a:t>
+              <a:t>07.10.2021</a:t>
             </a:fld>
             <a:endParaRPr lang="de-DE"/>
           </a:p>
@@ -33578,7 +35648,7 @@
           <a:p>
             <a:fld id="{A93AC6CA-D401-4019-9272-5AE8566E53F2}" type="datetime1">
               <a:rPr lang="de-DE" smtClean="0"/>
-              <a:t>30.09.2021</a:t>
+              <a:t>07.10.2021</a:t>
             </a:fld>
             <a:endParaRPr lang="de-DE"/>
           </a:p>
